--- a/EV5/EV5.Samples.ViewEngine/Assets/Tutorial/ViewStructure.pptx
+++ b/EV5/EV5.Samples.ViewEngine/Assets/Tutorial/ViewStructure.pptx
@@ -7,7 +7,9 @@
   <p:sldIdLst>
     <p:sldId id="257" r:id="rId2"/>
     <p:sldId id="258" r:id="rId3"/>
-    <p:sldId id="259" r:id="rId4"/>
+    <p:sldId id="260" r:id="rId4"/>
+    <p:sldId id="261" r:id="rId5"/>
+    <p:sldId id="259" r:id="rId6"/>
   </p:sldIdLst>
   <p:sldSz cx="12192000" cy="6858000"/>
   <p:notesSz cx="6858000" cy="9144000"/>
@@ -106,6 +108,11 @@
       </a:defRPr>
     </a:lvl9pPr>
   </p:defaultTextStyle>
+  <p:extLst>
+    <p:ext uri="{EFAFB233-063F-42B5-8137-9DF3F51BA10A}">
+      <p15:sldGuideLst xmlns:p15="http://schemas.microsoft.com/office/powerpoint/2012/main"/>
+    </p:ext>
+  </p:extLst>
 </p:presentation>
 </file>
 
@@ -256,7 +263,7 @@
           <a:p>
             <a:fld id="{8F2100C6-5E9E-42D2-9733-868CC4E6E0CB}" type="datetimeFigureOut">
               <a:rPr lang="en-US" smtClean="0"/>
-              <a:t>12/28/2021</a:t>
+              <a:t>12/29/2021</a:t>
             </a:fld>
             <a:endParaRPr lang="en-US"/>
           </a:p>
@@ -454,7 +461,7 @@
           <a:p>
             <a:fld id="{8F2100C6-5E9E-42D2-9733-868CC4E6E0CB}" type="datetimeFigureOut">
               <a:rPr lang="en-US" smtClean="0"/>
-              <a:t>12/28/2021</a:t>
+              <a:t>12/29/2021</a:t>
             </a:fld>
             <a:endParaRPr lang="en-US"/>
           </a:p>
@@ -662,7 +669,7 @@
           <a:p>
             <a:fld id="{8F2100C6-5E9E-42D2-9733-868CC4E6E0CB}" type="datetimeFigureOut">
               <a:rPr lang="en-US" smtClean="0"/>
-              <a:t>12/28/2021</a:t>
+              <a:t>12/29/2021</a:t>
             </a:fld>
             <a:endParaRPr lang="en-US"/>
           </a:p>
@@ -860,7 +867,7 @@
           <a:p>
             <a:fld id="{8F2100C6-5E9E-42D2-9733-868CC4E6E0CB}" type="datetimeFigureOut">
               <a:rPr lang="en-US" smtClean="0"/>
-              <a:t>12/28/2021</a:t>
+              <a:t>12/29/2021</a:t>
             </a:fld>
             <a:endParaRPr lang="en-US"/>
           </a:p>
@@ -1135,7 +1142,7 @@
           <a:p>
             <a:fld id="{8F2100C6-5E9E-42D2-9733-868CC4E6E0CB}" type="datetimeFigureOut">
               <a:rPr lang="en-US" smtClean="0"/>
-              <a:t>12/28/2021</a:t>
+              <a:t>12/29/2021</a:t>
             </a:fld>
             <a:endParaRPr lang="en-US"/>
           </a:p>
@@ -1400,7 +1407,7 @@
           <a:p>
             <a:fld id="{8F2100C6-5E9E-42D2-9733-868CC4E6E0CB}" type="datetimeFigureOut">
               <a:rPr lang="en-US" smtClean="0"/>
-              <a:t>12/28/2021</a:t>
+              <a:t>12/29/2021</a:t>
             </a:fld>
             <a:endParaRPr lang="en-US"/>
           </a:p>
@@ -1812,7 +1819,7 @@
           <a:p>
             <a:fld id="{8F2100C6-5E9E-42D2-9733-868CC4E6E0CB}" type="datetimeFigureOut">
               <a:rPr lang="en-US" smtClean="0"/>
-              <a:t>12/28/2021</a:t>
+              <a:t>12/29/2021</a:t>
             </a:fld>
             <a:endParaRPr lang="en-US"/>
           </a:p>
@@ -1953,7 +1960,7 @@
           <a:p>
             <a:fld id="{8F2100C6-5E9E-42D2-9733-868CC4E6E0CB}" type="datetimeFigureOut">
               <a:rPr lang="en-US" smtClean="0"/>
-              <a:t>12/28/2021</a:t>
+              <a:t>12/29/2021</a:t>
             </a:fld>
             <a:endParaRPr lang="en-US"/>
           </a:p>
@@ -2066,7 +2073,7 @@
           <a:p>
             <a:fld id="{8F2100C6-5E9E-42D2-9733-868CC4E6E0CB}" type="datetimeFigureOut">
               <a:rPr lang="en-US" smtClean="0"/>
-              <a:t>12/28/2021</a:t>
+              <a:t>12/29/2021</a:t>
             </a:fld>
             <a:endParaRPr lang="en-US"/>
           </a:p>
@@ -2377,7 +2384,7 @@
           <a:p>
             <a:fld id="{8F2100C6-5E9E-42D2-9733-868CC4E6E0CB}" type="datetimeFigureOut">
               <a:rPr lang="en-US" smtClean="0"/>
-              <a:t>12/28/2021</a:t>
+              <a:t>12/29/2021</a:t>
             </a:fld>
             <a:endParaRPr lang="en-US"/>
           </a:p>
@@ -2665,7 +2672,7 @@
           <a:p>
             <a:fld id="{8F2100C6-5E9E-42D2-9733-868CC4E6E0CB}" type="datetimeFigureOut">
               <a:rPr lang="en-US" smtClean="0"/>
-              <a:t>12/28/2021</a:t>
+              <a:t>12/29/2021</a:t>
             </a:fld>
             <a:endParaRPr lang="en-US"/>
           </a:p>
@@ -2906,7 +2913,7 @@
           <a:p>
             <a:fld id="{8F2100C6-5E9E-42D2-9733-868CC4E6E0CB}" type="datetimeFigureOut">
               <a:rPr lang="en-US" smtClean="0"/>
-              <a:t>12/28/2021</a:t>
+              <a:t>12/29/2021</a:t>
             </a:fld>
             <a:endParaRPr lang="en-US"/>
           </a:p>
@@ -3371,7 +3378,7 @@
           <a:p>
             <a:r>
               <a:rPr lang="de-DE" dirty="0"/>
-              <a:t>Header</a:t>
+              <a:t>Head</a:t>
             </a:r>
             <a:br>
               <a:rPr lang="de-DE" dirty="0"/>
@@ -3860,7 +3867,7 @@
           <a:p>
             <a:r>
               <a:rPr lang="de-DE" dirty="0"/>
-              <a:t>Header</a:t>
+              <a:t>Head</a:t>
             </a:r>
             <a:br>
               <a:rPr lang="de-DE" dirty="0"/>
@@ -5274,10 +5281,10 @@
       </p:grpSpPr>
       <p:sp>
         <p:nvSpPr>
-          <p:cNvPr id="4" name="Rectangle 3">
-            <a:extLst>
-              <a:ext uri="{FF2B5EF4-FFF2-40B4-BE49-F238E27FC236}">
-                <a16:creationId xmlns:a16="http://schemas.microsoft.com/office/drawing/2014/main" id="{887CC6B6-1096-4A1B-8B0C-E480C55D9FC5}"/>
+          <p:cNvPr id="33" name="Rectangle 32">
+            <a:extLst>
+              <a:ext uri="{FF2B5EF4-FFF2-40B4-BE49-F238E27FC236}">
+                <a16:creationId xmlns:a16="http://schemas.microsoft.com/office/drawing/2014/main" id="{E6197336-BBE6-4BB2-BE67-454679D8E7DB}"/>
               </a:ext>
             </a:extLst>
           </p:cNvPr>
@@ -5286,12 +5293,414 @@
         </p:nvSpPr>
         <p:spPr>
           <a:xfrm>
-            <a:off x="1451113" y="655983"/>
-            <a:ext cx="3816626" cy="6003234"/>
+            <a:off x="6932763" y="2756320"/>
+            <a:ext cx="2324475" cy="1682682"/>
           </a:xfrm>
           <a:prstGeom prst="rect">
             <a:avLst/>
           </a:prstGeom>
+        </p:spPr>
+        <p:style>
+          <a:lnRef idx="1">
+            <a:schemeClr val="accent1"/>
+          </a:lnRef>
+          <a:fillRef idx="3">
+            <a:schemeClr val="accent1"/>
+          </a:fillRef>
+          <a:effectRef idx="2">
+            <a:schemeClr val="accent1"/>
+          </a:effectRef>
+          <a:fontRef idx="minor">
+            <a:schemeClr val="lt1"/>
+          </a:fontRef>
+        </p:style>
+        <p:txBody>
+          <a:bodyPr rtlCol="0" anchor="ctr"/>
+          <a:lstStyle/>
+          <a:p>
+            <a:r>
+              <a:rPr lang="de-DE" dirty="0" err="1"/>
+              <a:t>eve</a:t>
+            </a:r>
+            <a:r>
+              <a:rPr lang="de-DE" dirty="0"/>
+              <a:t>-partial=</a:t>
+            </a:r>
+            <a:r>
+              <a:rPr lang="de-DE" dirty="0" err="1"/>
+              <a:t>about</a:t>
+            </a:r>
+            <a:endParaRPr lang="de-DE" dirty="0"/>
+          </a:p>
+          <a:p>
+            <a:endParaRPr lang="de-DE" dirty="0"/>
+          </a:p>
+          <a:p>
+            <a:r>
+              <a:rPr lang="de-DE" dirty="0" err="1"/>
+              <a:t>eve</a:t>
+            </a:r>
+            <a:r>
+              <a:rPr lang="de-DE" dirty="0"/>
+              <a:t>-partial=</a:t>
+            </a:r>
+            <a:r>
+              <a:rPr lang="de-DE" dirty="0" err="1"/>
+              <a:t>services</a:t>
+            </a:r>
+            <a:endParaRPr lang="de-DE" dirty="0"/>
+          </a:p>
+          <a:p>
+            <a:endParaRPr lang="de-DE" dirty="0"/>
+          </a:p>
+          <a:p>
+            <a:r>
+              <a:rPr lang="de-DE" dirty="0" err="1"/>
+              <a:t>eve</a:t>
+            </a:r>
+            <a:r>
+              <a:rPr lang="de-DE" dirty="0"/>
+              <a:t>-partial=</a:t>
+            </a:r>
+            <a:r>
+              <a:rPr lang="de-DE" dirty="0" err="1"/>
+              <a:t>portfolio</a:t>
+            </a:r>
+            <a:endParaRPr lang="de-DE" dirty="0"/>
+          </a:p>
+          <a:p>
+            <a:endParaRPr lang="de-DE" dirty="0"/>
+          </a:p>
+        </p:txBody>
+      </p:sp>
+      <p:sp>
+        <p:nvSpPr>
+          <p:cNvPr id="4" name="Rectangle 3">
+            <a:extLst>
+              <a:ext uri="{FF2B5EF4-FFF2-40B4-BE49-F238E27FC236}">
+                <a16:creationId xmlns:a16="http://schemas.microsoft.com/office/drawing/2014/main" id="{887CC6B6-1096-4A1B-8B0C-E480C55D9FC5}"/>
+              </a:ext>
+            </a:extLst>
+          </p:cNvPr>
+          <p:cNvSpPr/>
+          <p:nvPr/>
+        </p:nvSpPr>
+        <p:spPr>
+          <a:xfrm>
+            <a:off x="208237" y="584960"/>
+            <a:ext cx="3816626" cy="6003234"/>
+          </a:xfrm>
+          <a:prstGeom prst="rect">
+            <a:avLst/>
+          </a:prstGeom>
+        </p:spPr>
+        <p:style>
+          <a:lnRef idx="1">
+            <a:schemeClr val="accent1"/>
+          </a:lnRef>
+          <a:fillRef idx="3">
+            <a:schemeClr val="accent1"/>
+          </a:fillRef>
+          <a:effectRef idx="2">
+            <a:schemeClr val="accent1"/>
+          </a:effectRef>
+          <a:fontRef idx="minor">
+            <a:schemeClr val="lt1"/>
+          </a:fontRef>
+        </p:style>
+        <p:txBody>
+          <a:bodyPr rtlCol="0" anchor="t"/>
+          <a:lstStyle/>
+          <a:p>
+            <a:r>
+              <a:rPr lang="de-DE" dirty="0" err="1"/>
+              <a:t>Html</a:t>
+            </a:r>
+            <a:endParaRPr lang="de-DE" dirty="0"/>
+          </a:p>
+          <a:p>
+            <a:r>
+              <a:rPr lang="de-DE" dirty="0"/>
+              <a:t>Head</a:t>
+            </a:r>
+            <a:br>
+              <a:rPr lang="de-DE" dirty="0"/>
+            </a:br>
+            <a:r>
+              <a:rPr lang="de-DE" dirty="0"/>
+              <a:t>Body</a:t>
+            </a:r>
+          </a:p>
+          <a:p>
+            <a:r>
+              <a:rPr lang="de-DE" dirty="0"/>
+              <a:t>Navigation</a:t>
+            </a:r>
+          </a:p>
+          <a:p>
+            <a:endParaRPr lang="de-DE" dirty="0"/>
+          </a:p>
+          <a:p>
+            <a:endParaRPr lang="de-DE" dirty="0"/>
+          </a:p>
+          <a:p>
+            <a:endParaRPr lang="de-DE" dirty="0"/>
+          </a:p>
+          <a:p>
+            <a:endParaRPr lang="de-DE" dirty="0"/>
+          </a:p>
+          <a:p>
+            <a:endParaRPr lang="de-DE" dirty="0"/>
+          </a:p>
+          <a:p>
+            <a:r>
+              <a:rPr lang="de-DE" dirty="0" err="1"/>
+              <a:t>eve-renderbody</a:t>
+            </a:r>
+            <a:endParaRPr lang="de-DE" dirty="0"/>
+          </a:p>
+          <a:p>
+            <a:endParaRPr lang="de-DE" dirty="0"/>
+          </a:p>
+          <a:p>
+            <a:endParaRPr lang="de-DE" dirty="0"/>
+          </a:p>
+          <a:p>
+            <a:endParaRPr lang="de-DE" dirty="0"/>
+          </a:p>
+          <a:p>
+            <a:endParaRPr lang="de-DE" dirty="0"/>
+          </a:p>
+          <a:p>
+            <a:endParaRPr lang="de-DE" dirty="0"/>
+          </a:p>
+          <a:p>
+            <a:endParaRPr lang="de-DE" dirty="0"/>
+          </a:p>
+          <a:p>
+            <a:endParaRPr lang="de-DE" dirty="0"/>
+          </a:p>
+          <a:p>
+            <a:endParaRPr lang="de-DE" dirty="0"/>
+          </a:p>
+          <a:p>
+            <a:r>
+              <a:rPr lang="de-DE" dirty="0" err="1"/>
+              <a:t>Footer</a:t>
+            </a:r>
+            <a:endParaRPr lang="de-DE" dirty="0"/>
+          </a:p>
+          <a:p>
+            <a:r>
+              <a:rPr lang="de-DE" dirty="0"/>
+              <a:t>Scripts</a:t>
+            </a:r>
+          </a:p>
+          <a:p>
+            <a:r>
+              <a:rPr lang="de-DE" dirty="0"/>
+              <a:t>End </a:t>
+            </a:r>
+            <a:r>
+              <a:rPr lang="de-DE" dirty="0" err="1"/>
+              <a:t>Html</a:t>
+            </a:r>
+            <a:endParaRPr lang="en-US" dirty="0"/>
+          </a:p>
+        </p:txBody>
+      </p:sp>
+      <p:sp>
+        <p:nvSpPr>
+          <p:cNvPr id="5" name="Rectangle 4">
+            <a:extLst>
+              <a:ext uri="{FF2B5EF4-FFF2-40B4-BE49-F238E27FC236}">
+                <a16:creationId xmlns:a16="http://schemas.microsoft.com/office/drawing/2014/main" id="{B0B5994A-2294-4CE2-B225-A546CE14E638}"/>
+              </a:ext>
+            </a:extLst>
+          </p:cNvPr>
+          <p:cNvSpPr/>
+          <p:nvPr/>
+        </p:nvSpPr>
+        <p:spPr>
+          <a:xfrm>
+            <a:off x="4201183" y="2188473"/>
+            <a:ext cx="2314161" cy="2703443"/>
+          </a:xfrm>
+          <a:prstGeom prst="rect">
+            <a:avLst/>
+          </a:prstGeom>
+        </p:spPr>
+        <p:style>
+          <a:lnRef idx="1">
+            <a:schemeClr val="accent1"/>
+          </a:lnRef>
+          <a:fillRef idx="3">
+            <a:schemeClr val="accent1"/>
+          </a:fillRef>
+          <a:effectRef idx="2">
+            <a:schemeClr val="accent1"/>
+          </a:effectRef>
+          <a:fontRef idx="minor">
+            <a:schemeClr val="lt1"/>
+          </a:fontRef>
+        </p:style>
+        <p:txBody>
+          <a:bodyPr rtlCol="0" anchor="ctr"/>
+          <a:lstStyle/>
+          <a:p>
+            <a:r>
+              <a:rPr lang="de-DE" dirty="0" err="1"/>
+              <a:t>eve</a:t>
+            </a:r>
+            <a:r>
+              <a:rPr lang="de-DE" dirty="0"/>
+              <a:t>-partial=</a:t>
+            </a:r>
+            <a:r>
+              <a:rPr lang="de-DE" dirty="0" err="1"/>
+              <a:t>header</a:t>
+            </a:r>
+            <a:endParaRPr lang="de-DE" dirty="0"/>
+          </a:p>
+          <a:p>
+            <a:endParaRPr lang="de-DE" dirty="0"/>
+          </a:p>
+          <a:p>
+            <a:endParaRPr lang="de-DE" dirty="0"/>
+          </a:p>
+          <a:p>
+            <a:endParaRPr lang="de-DE" dirty="0"/>
+          </a:p>
+          <a:p>
+            <a:r>
+              <a:rPr lang="de-DE" dirty="0" err="1"/>
+              <a:t>eve</a:t>
+            </a:r>
+            <a:r>
+              <a:rPr lang="de-DE" dirty="0"/>
+              <a:t>-partial=</a:t>
+            </a:r>
+            <a:r>
+              <a:rPr lang="de-DE" dirty="0" err="1"/>
+              <a:t>content</a:t>
+            </a:r>
+            <a:endParaRPr lang="de-DE" dirty="0"/>
+          </a:p>
+          <a:p>
+            <a:endParaRPr lang="de-DE" dirty="0"/>
+          </a:p>
+          <a:p>
+            <a:endParaRPr lang="de-DE" dirty="0"/>
+          </a:p>
+          <a:p>
+            <a:endParaRPr lang="de-DE" dirty="0"/>
+          </a:p>
+          <a:p>
+            <a:r>
+              <a:rPr lang="de-DE" dirty="0"/>
+              <a:t>Etc..</a:t>
+            </a:r>
+          </a:p>
+        </p:txBody>
+      </p:sp>
+      <p:sp>
+        <p:nvSpPr>
+          <p:cNvPr id="6" name="TextBox 5">
+            <a:extLst>
+              <a:ext uri="{FF2B5EF4-FFF2-40B4-BE49-F238E27FC236}">
+                <a16:creationId xmlns:a16="http://schemas.microsoft.com/office/drawing/2014/main" id="{1FF4C585-D41B-4624-897B-69726A09A33A}"/>
+              </a:ext>
+            </a:extLst>
+          </p:cNvPr>
+          <p:cNvSpPr txBox="1"/>
+          <p:nvPr/>
+        </p:nvSpPr>
+        <p:spPr>
+          <a:xfrm>
+            <a:off x="1172333" y="215628"/>
+            <a:ext cx="1366271" cy="369332"/>
+          </a:xfrm>
+          <a:prstGeom prst="rect">
+            <a:avLst/>
+          </a:prstGeom>
+          <a:noFill/>
+        </p:spPr>
+        <p:txBody>
+          <a:bodyPr wrap="none" rtlCol="0">
+            <a:spAutoFit/>
+          </a:bodyPr>
+          <a:lstStyle/>
+          <a:p>
+            <a:r>
+              <a:rPr lang="de-DE" dirty="0"/>
+              <a:t>Master View</a:t>
+            </a:r>
+            <a:endParaRPr lang="en-US" dirty="0"/>
+          </a:p>
+        </p:txBody>
+      </p:sp>
+      <p:sp>
+        <p:nvSpPr>
+          <p:cNvPr id="7" name="TextBox 6">
+            <a:extLst>
+              <a:ext uri="{FF2B5EF4-FFF2-40B4-BE49-F238E27FC236}">
+                <a16:creationId xmlns:a16="http://schemas.microsoft.com/office/drawing/2014/main" id="{F11D1E4F-D099-4A61-817C-F4652917C124}"/>
+              </a:ext>
+            </a:extLst>
+          </p:cNvPr>
+          <p:cNvSpPr txBox="1"/>
+          <p:nvPr/>
+        </p:nvSpPr>
+        <p:spPr>
+          <a:xfrm>
+            <a:off x="4794544" y="1753672"/>
+            <a:ext cx="1148071" cy="369332"/>
+          </a:xfrm>
+          <a:prstGeom prst="rect">
+            <a:avLst/>
+          </a:prstGeom>
+          <a:noFill/>
+        </p:spPr>
+        <p:txBody>
+          <a:bodyPr wrap="none" rtlCol="0">
+            <a:spAutoFit/>
+          </a:bodyPr>
+          <a:lstStyle/>
+          <a:p>
+            <a:r>
+              <a:rPr lang="de-DE" dirty="0"/>
+              <a:t>Page View</a:t>
+            </a:r>
+            <a:endParaRPr lang="en-US" dirty="0"/>
+          </a:p>
+        </p:txBody>
+      </p:sp>
+      <p:sp>
+        <p:nvSpPr>
+          <p:cNvPr id="8" name="Rectangle 7">
+            <a:extLst>
+              <a:ext uri="{FF2B5EF4-FFF2-40B4-BE49-F238E27FC236}">
+                <a16:creationId xmlns:a16="http://schemas.microsoft.com/office/drawing/2014/main" id="{4622C457-45E2-4330-BFC0-9310FC5CEA2F}"/>
+              </a:ext>
+            </a:extLst>
+          </p:cNvPr>
+          <p:cNvSpPr/>
+          <p:nvPr/>
+        </p:nvSpPr>
+        <p:spPr>
+          <a:xfrm>
+            <a:off x="208237" y="1688203"/>
+            <a:ext cx="3816626" cy="3786810"/>
+          </a:xfrm>
+          <a:prstGeom prst="rect">
+            <a:avLst/>
+          </a:prstGeom>
+          <a:noFill/>
+          <a:ln>
+            <a:solidFill>
+              <a:schemeClr val="tx1"/>
+            </a:solidFill>
+          </a:ln>
         </p:spPr>
         <p:style>
           <a:lnRef idx="2">
@@ -5310,6 +5719,1390 @@
           </a:fontRef>
         </p:style>
         <p:txBody>
+          <a:bodyPr rtlCol="0" anchor="ctr"/>
+          <a:lstStyle/>
+          <a:p>
+            <a:pPr algn="ctr"/>
+            <a:endParaRPr lang="en-US"/>
+          </a:p>
+        </p:txBody>
+      </p:sp>
+      <p:cxnSp>
+        <p:nvCxnSpPr>
+          <p:cNvPr id="10" name="Straight Connector 9">
+            <a:extLst>
+              <a:ext uri="{FF2B5EF4-FFF2-40B4-BE49-F238E27FC236}">
+                <a16:creationId xmlns:a16="http://schemas.microsoft.com/office/drawing/2014/main" id="{1A523A9D-AE76-4EAD-A634-8B69687240FE}"/>
+              </a:ext>
+            </a:extLst>
+          </p:cNvPr>
+          <p:cNvCxnSpPr>
+            <a:cxnSpLocks/>
+          </p:cNvCxnSpPr>
+          <p:nvPr/>
+        </p:nvCxnSpPr>
+        <p:spPr>
+          <a:xfrm>
+            <a:off x="4024863" y="1688203"/>
+            <a:ext cx="985630" cy="500270"/>
+          </a:xfrm>
+          <a:prstGeom prst="line">
+            <a:avLst/>
+          </a:prstGeom>
+        </p:spPr>
+        <p:style>
+          <a:lnRef idx="1">
+            <a:schemeClr val="accent1"/>
+          </a:lnRef>
+          <a:fillRef idx="0">
+            <a:schemeClr val="accent1"/>
+          </a:fillRef>
+          <a:effectRef idx="0">
+            <a:schemeClr val="accent1"/>
+          </a:effectRef>
+          <a:fontRef idx="minor">
+            <a:schemeClr val="tx1"/>
+          </a:fontRef>
+        </p:style>
+      </p:cxnSp>
+      <p:cxnSp>
+        <p:nvCxnSpPr>
+          <p:cNvPr id="12" name="Straight Connector 11">
+            <a:extLst>
+              <a:ext uri="{FF2B5EF4-FFF2-40B4-BE49-F238E27FC236}">
+                <a16:creationId xmlns:a16="http://schemas.microsoft.com/office/drawing/2014/main" id="{16219EF9-E292-44A2-8E5F-190C60305BA8}"/>
+              </a:ext>
+            </a:extLst>
+          </p:cNvPr>
+          <p:cNvCxnSpPr>
+            <a:cxnSpLocks/>
+          </p:cNvCxnSpPr>
+          <p:nvPr/>
+        </p:nvCxnSpPr>
+        <p:spPr>
+          <a:xfrm flipV="1">
+            <a:off x="4024863" y="4891916"/>
+            <a:ext cx="985630" cy="589723"/>
+          </a:xfrm>
+          <a:prstGeom prst="line">
+            <a:avLst/>
+          </a:prstGeom>
+        </p:spPr>
+        <p:style>
+          <a:lnRef idx="1">
+            <a:schemeClr val="accent1"/>
+          </a:lnRef>
+          <a:fillRef idx="0">
+            <a:schemeClr val="accent1"/>
+          </a:fillRef>
+          <a:effectRef idx="0">
+            <a:schemeClr val="accent1"/>
+          </a:effectRef>
+          <a:fontRef idx="minor">
+            <a:schemeClr val="tx1"/>
+          </a:fontRef>
+        </p:style>
+      </p:cxnSp>
+      <p:grpSp>
+        <p:nvGrpSpPr>
+          <p:cNvPr id="9" name="Group 8">
+            <a:extLst>
+              <a:ext uri="{FF2B5EF4-FFF2-40B4-BE49-F238E27FC236}">
+                <a16:creationId xmlns:a16="http://schemas.microsoft.com/office/drawing/2014/main" id="{3B816E7B-29A4-429C-BA1A-D1C7BFD76395}"/>
+              </a:ext>
+            </a:extLst>
+          </p:cNvPr>
+          <p:cNvGrpSpPr/>
+          <p:nvPr/>
+        </p:nvGrpSpPr>
+        <p:grpSpPr>
+          <a:xfrm>
+            <a:off x="6942278" y="1469545"/>
+            <a:ext cx="2314161" cy="842307"/>
+            <a:chOff x="9268238" y="1759226"/>
+            <a:chExt cx="2314161" cy="842307"/>
+          </a:xfrm>
+        </p:grpSpPr>
+        <p:sp>
+          <p:nvSpPr>
+            <p:cNvPr id="11" name="Rectangle 10">
+              <a:extLst>
+                <a:ext uri="{FF2B5EF4-FFF2-40B4-BE49-F238E27FC236}">
+                  <a16:creationId xmlns:a16="http://schemas.microsoft.com/office/drawing/2014/main" id="{F054FFCE-2D7E-4FD5-87B9-1F51AB84D35A}"/>
+                </a:ext>
+              </a:extLst>
+            </p:cNvPr>
+            <p:cNvSpPr/>
+            <p:nvPr/>
+          </p:nvSpPr>
+          <p:spPr>
+            <a:xfrm>
+              <a:off x="9268238" y="2194027"/>
+              <a:ext cx="2314161" cy="407506"/>
+            </a:xfrm>
+            <a:prstGeom prst="rect">
+              <a:avLst/>
+            </a:prstGeom>
+          </p:spPr>
+          <p:style>
+            <a:lnRef idx="1">
+              <a:schemeClr val="accent1"/>
+            </a:lnRef>
+            <a:fillRef idx="3">
+              <a:schemeClr val="accent1"/>
+            </a:fillRef>
+            <a:effectRef idx="2">
+              <a:schemeClr val="accent1"/>
+            </a:effectRef>
+            <a:fontRef idx="minor">
+              <a:schemeClr val="lt1"/>
+            </a:fontRef>
+          </p:style>
+          <p:txBody>
+            <a:bodyPr rtlCol="0" anchor="ctr"/>
+            <a:lstStyle/>
+            <a:p>
+              <a:r>
+                <a:rPr lang="de-DE" dirty="0"/>
+                <a:t>Header </a:t>
+              </a:r>
+              <a:r>
+                <a:rPr lang="de-DE" dirty="0" err="1"/>
+                <a:t>Html</a:t>
+              </a:r>
+              <a:r>
+                <a:rPr lang="de-DE" dirty="0"/>
+                <a:t> </a:t>
+              </a:r>
+              <a:r>
+                <a:rPr lang="de-DE" dirty="0" err="1"/>
+                <a:t>Section</a:t>
+              </a:r>
+              <a:endParaRPr lang="de-DE" dirty="0"/>
+            </a:p>
+          </p:txBody>
+        </p:sp>
+        <p:sp>
+          <p:nvSpPr>
+            <p:cNvPr id="13" name="TextBox 12">
+              <a:extLst>
+                <a:ext uri="{FF2B5EF4-FFF2-40B4-BE49-F238E27FC236}">
+                  <a16:creationId xmlns:a16="http://schemas.microsoft.com/office/drawing/2014/main" id="{825D217A-D9DC-4F97-A85A-246ED6263943}"/>
+                </a:ext>
+              </a:extLst>
+            </p:cNvPr>
+            <p:cNvSpPr txBox="1"/>
+            <p:nvPr/>
+          </p:nvSpPr>
+          <p:spPr>
+            <a:xfrm>
+              <a:off x="9405487" y="1759226"/>
+              <a:ext cx="2039661" cy="369332"/>
+            </a:xfrm>
+            <a:prstGeom prst="rect">
+              <a:avLst/>
+            </a:prstGeom>
+            <a:noFill/>
+          </p:spPr>
+          <p:txBody>
+            <a:bodyPr wrap="none" rtlCol="0">
+              <a:spAutoFit/>
+            </a:bodyPr>
+            <a:lstStyle/>
+            <a:p>
+              <a:r>
+                <a:rPr lang="de-DE" dirty="0"/>
+                <a:t>Header Partial View</a:t>
+              </a:r>
+              <a:endParaRPr lang="en-US" dirty="0"/>
+            </a:p>
+          </p:txBody>
+        </p:sp>
+      </p:grpSp>
+      <p:grpSp>
+        <p:nvGrpSpPr>
+          <p:cNvPr id="14" name="Group 13">
+            <a:extLst>
+              <a:ext uri="{FF2B5EF4-FFF2-40B4-BE49-F238E27FC236}">
+                <a16:creationId xmlns:a16="http://schemas.microsoft.com/office/drawing/2014/main" id="{354FCB91-AEBB-4769-BB09-0D47AE94AEE1}"/>
+              </a:ext>
+            </a:extLst>
+          </p:cNvPr>
+          <p:cNvGrpSpPr/>
+          <p:nvPr/>
+        </p:nvGrpSpPr>
+        <p:grpSpPr>
+          <a:xfrm>
+            <a:off x="9871923" y="1862416"/>
+            <a:ext cx="2314161" cy="842307"/>
+            <a:chOff x="9268238" y="1759226"/>
+            <a:chExt cx="2314161" cy="842307"/>
+          </a:xfrm>
+        </p:grpSpPr>
+        <p:sp>
+          <p:nvSpPr>
+            <p:cNvPr id="15" name="Rectangle 14">
+              <a:extLst>
+                <a:ext uri="{FF2B5EF4-FFF2-40B4-BE49-F238E27FC236}">
+                  <a16:creationId xmlns:a16="http://schemas.microsoft.com/office/drawing/2014/main" id="{4A2E9C8F-C9D5-4C1E-BAA8-0FE268677A4D}"/>
+                </a:ext>
+              </a:extLst>
+            </p:cNvPr>
+            <p:cNvSpPr/>
+            <p:nvPr/>
+          </p:nvSpPr>
+          <p:spPr>
+            <a:xfrm>
+              <a:off x="9268238" y="2194027"/>
+              <a:ext cx="2314161" cy="407506"/>
+            </a:xfrm>
+            <a:prstGeom prst="rect">
+              <a:avLst/>
+            </a:prstGeom>
+          </p:spPr>
+          <p:style>
+            <a:lnRef idx="1">
+              <a:schemeClr val="accent1"/>
+            </a:lnRef>
+            <a:fillRef idx="3">
+              <a:schemeClr val="accent1"/>
+            </a:fillRef>
+            <a:effectRef idx="2">
+              <a:schemeClr val="accent1"/>
+            </a:effectRef>
+            <a:fontRef idx="minor">
+              <a:schemeClr val="lt1"/>
+            </a:fontRef>
+          </p:style>
+          <p:txBody>
+            <a:bodyPr rtlCol="0" anchor="ctr"/>
+            <a:lstStyle/>
+            <a:p>
+              <a:r>
+                <a:rPr lang="de-DE" dirty="0"/>
+                <a:t>About </a:t>
+              </a:r>
+              <a:r>
+                <a:rPr lang="de-DE" dirty="0" err="1"/>
+                <a:t>Html</a:t>
+              </a:r>
+              <a:r>
+                <a:rPr lang="de-DE" dirty="0"/>
+                <a:t> </a:t>
+              </a:r>
+              <a:r>
+                <a:rPr lang="de-DE" dirty="0" err="1"/>
+                <a:t>Section</a:t>
+              </a:r>
+              <a:endParaRPr lang="de-DE" dirty="0"/>
+            </a:p>
+          </p:txBody>
+        </p:sp>
+        <p:sp>
+          <p:nvSpPr>
+            <p:cNvPr id="16" name="TextBox 15">
+              <a:extLst>
+                <a:ext uri="{FF2B5EF4-FFF2-40B4-BE49-F238E27FC236}">
+                  <a16:creationId xmlns:a16="http://schemas.microsoft.com/office/drawing/2014/main" id="{65662B60-C060-4472-8309-D809EA920132}"/>
+                </a:ext>
+              </a:extLst>
+            </p:cNvPr>
+            <p:cNvSpPr txBox="1"/>
+            <p:nvPr/>
+          </p:nvSpPr>
+          <p:spPr>
+            <a:xfrm>
+              <a:off x="9405487" y="1759226"/>
+              <a:ext cx="1927451" cy="369332"/>
+            </a:xfrm>
+            <a:prstGeom prst="rect">
+              <a:avLst/>
+            </a:prstGeom>
+            <a:noFill/>
+          </p:spPr>
+          <p:txBody>
+            <a:bodyPr wrap="none" rtlCol="0">
+              <a:spAutoFit/>
+            </a:bodyPr>
+            <a:lstStyle/>
+            <a:p>
+              <a:r>
+                <a:rPr lang="de-DE" dirty="0"/>
+                <a:t>About Partial View</a:t>
+              </a:r>
+              <a:endParaRPr lang="en-US" dirty="0"/>
+            </a:p>
+          </p:txBody>
+        </p:sp>
+      </p:grpSp>
+      <p:grpSp>
+        <p:nvGrpSpPr>
+          <p:cNvPr id="17" name="Group 16">
+            <a:extLst>
+              <a:ext uri="{FF2B5EF4-FFF2-40B4-BE49-F238E27FC236}">
+                <a16:creationId xmlns:a16="http://schemas.microsoft.com/office/drawing/2014/main" id="{CC76EA7F-4EA7-417B-9348-414D839C23E6}"/>
+              </a:ext>
+            </a:extLst>
+          </p:cNvPr>
+          <p:cNvGrpSpPr/>
+          <p:nvPr/>
+        </p:nvGrpSpPr>
+        <p:grpSpPr>
+          <a:xfrm>
+            <a:off x="9875235" y="2848045"/>
+            <a:ext cx="2314161" cy="842307"/>
+            <a:chOff x="9268238" y="1759226"/>
+            <a:chExt cx="2314161" cy="842307"/>
+          </a:xfrm>
+        </p:grpSpPr>
+        <p:sp>
+          <p:nvSpPr>
+            <p:cNvPr id="18" name="Rectangle 17">
+              <a:extLst>
+                <a:ext uri="{FF2B5EF4-FFF2-40B4-BE49-F238E27FC236}">
+                  <a16:creationId xmlns:a16="http://schemas.microsoft.com/office/drawing/2014/main" id="{E45D554C-5811-4C6C-896D-5499FAE3B55A}"/>
+                </a:ext>
+              </a:extLst>
+            </p:cNvPr>
+            <p:cNvSpPr/>
+            <p:nvPr/>
+          </p:nvSpPr>
+          <p:spPr>
+            <a:xfrm>
+              <a:off x="9268238" y="2194027"/>
+              <a:ext cx="2314161" cy="407506"/>
+            </a:xfrm>
+            <a:prstGeom prst="rect">
+              <a:avLst/>
+            </a:prstGeom>
+          </p:spPr>
+          <p:style>
+            <a:lnRef idx="1">
+              <a:schemeClr val="accent1"/>
+            </a:lnRef>
+            <a:fillRef idx="3">
+              <a:schemeClr val="accent1"/>
+            </a:fillRef>
+            <a:effectRef idx="2">
+              <a:schemeClr val="accent1"/>
+            </a:effectRef>
+            <a:fontRef idx="minor">
+              <a:schemeClr val="lt1"/>
+            </a:fontRef>
+          </p:style>
+          <p:txBody>
+            <a:bodyPr rtlCol="0" anchor="ctr"/>
+            <a:lstStyle/>
+            <a:p>
+              <a:r>
+                <a:rPr lang="de-DE" dirty="0"/>
+                <a:t>Services </a:t>
+              </a:r>
+              <a:r>
+                <a:rPr lang="de-DE" dirty="0" err="1"/>
+                <a:t>Html</a:t>
+              </a:r>
+              <a:r>
+                <a:rPr lang="de-DE" dirty="0"/>
+                <a:t> </a:t>
+              </a:r>
+              <a:r>
+                <a:rPr lang="de-DE" dirty="0" err="1"/>
+                <a:t>Section</a:t>
+              </a:r>
+              <a:endParaRPr lang="de-DE" dirty="0"/>
+            </a:p>
+          </p:txBody>
+        </p:sp>
+        <p:sp>
+          <p:nvSpPr>
+            <p:cNvPr id="19" name="TextBox 18">
+              <a:extLst>
+                <a:ext uri="{FF2B5EF4-FFF2-40B4-BE49-F238E27FC236}">
+                  <a16:creationId xmlns:a16="http://schemas.microsoft.com/office/drawing/2014/main" id="{9619BE80-7988-4D49-AFB8-AF7456B557C9}"/>
+                </a:ext>
+              </a:extLst>
+            </p:cNvPr>
+            <p:cNvSpPr txBox="1"/>
+            <p:nvPr/>
+          </p:nvSpPr>
+          <p:spPr>
+            <a:xfrm>
+              <a:off x="9405487" y="1759226"/>
+              <a:ext cx="2115516" cy="369332"/>
+            </a:xfrm>
+            <a:prstGeom prst="rect">
+              <a:avLst/>
+            </a:prstGeom>
+            <a:noFill/>
+          </p:spPr>
+          <p:txBody>
+            <a:bodyPr wrap="none" rtlCol="0">
+              <a:spAutoFit/>
+            </a:bodyPr>
+            <a:lstStyle/>
+            <a:p>
+              <a:r>
+                <a:rPr lang="de-DE" dirty="0"/>
+                <a:t>Services Partial View</a:t>
+              </a:r>
+              <a:endParaRPr lang="en-US" dirty="0"/>
+            </a:p>
+          </p:txBody>
+        </p:sp>
+      </p:grpSp>
+      <p:grpSp>
+        <p:nvGrpSpPr>
+          <p:cNvPr id="20" name="Group 19">
+            <a:extLst>
+              <a:ext uri="{FF2B5EF4-FFF2-40B4-BE49-F238E27FC236}">
+                <a16:creationId xmlns:a16="http://schemas.microsoft.com/office/drawing/2014/main" id="{E725F495-36BA-40DC-9B3B-89B22054D66A}"/>
+              </a:ext>
+            </a:extLst>
+          </p:cNvPr>
+          <p:cNvGrpSpPr/>
+          <p:nvPr/>
+        </p:nvGrpSpPr>
+        <p:grpSpPr>
+          <a:xfrm>
+            <a:off x="9913161" y="3860969"/>
+            <a:ext cx="2314161" cy="842307"/>
+            <a:chOff x="9268238" y="1759226"/>
+            <a:chExt cx="2314161" cy="842307"/>
+          </a:xfrm>
+        </p:grpSpPr>
+        <p:sp>
+          <p:nvSpPr>
+            <p:cNvPr id="21" name="Rectangle 20">
+              <a:extLst>
+                <a:ext uri="{FF2B5EF4-FFF2-40B4-BE49-F238E27FC236}">
+                  <a16:creationId xmlns:a16="http://schemas.microsoft.com/office/drawing/2014/main" id="{F56EA891-9DC0-4A3E-9EE7-7C441B4B2501}"/>
+                </a:ext>
+              </a:extLst>
+            </p:cNvPr>
+            <p:cNvSpPr/>
+            <p:nvPr/>
+          </p:nvSpPr>
+          <p:spPr>
+            <a:xfrm>
+              <a:off x="9268238" y="2194027"/>
+              <a:ext cx="2314161" cy="407506"/>
+            </a:xfrm>
+            <a:prstGeom prst="rect">
+              <a:avLst/>
+            </a:prstGeom>
+          </p:spPr>
+          <p:style>
+            <a:lnRef idx="1">
+              <a:schemeClr val="accent1"/>
+            </a:lnRef>
+            <a:fillRef idx="3">
+              <a:schemeClr val="accent1"/>
+            </a:fillRef>
+            <a:effectRef idx="2">
+              <a:schemeClr val="accent1"/>
+            </a:effectRef>
+            <a:fontRef idx="minor">
+              <a:schemeClr val="lt1"/>
+            </a:fontRef>
+          </p:style>
+          <p:txBody>
+            <a:bodyPr rtlCol="0" anchor="ctr"/>
+            <a:lstStyle/>
+            <a:p>
+              <a:r>
+                <a:rPr lang="de-DE" dirty="0"/>
+                <a:t>Services </a:t>
+              </a:r>
+              <a:r>
+                <a:rPr lang="de-DE" dirty="0" err="1"/>
+                <a:t>Html</a:t>
+              </a:r>
+              <a:r>
+                <a:rPr lang="de-DE" dirty="0"/>
+                <a:t> </a:t>
+              </a:r>
+              <a:r>
+                <a:rPr lang="de-DE" dirty="0" err="1"/>
+                <a:t>Section</a:t>
+              </a:r>
+              <a:endParaRPr lang="de-DE" dirty="0"/>
+            </a:p>
+          </p:txBody>
+        </p:sp>
+        <p:sp>
+          <p:nvSpPr>
+            <p:cNvPr id="22" name="TextBox 21">
+              <a:extLst>
+                <a:ext uri="{FF2B5EF4-FFF2-40B4-BE49-F238E27FC236}">
+                  <a16:creationId xmlns:a16="http://schemas.microsoft.com/office/drawing/2014/main" id="{DEAB17ED-95C2-40F8-B02F-7CE6828AC125}"/>
+                </a:ext>
+              </a:extLst>
+            </p:cNvPr>
+            <p:cNvSpPr txBox="1"/>
+            <p:nvPr/>
+          </p:nvSpPr>
+          <p:spPr>
+            <a:xfrm>
+              <a:off x="9405487" y="1759226"/>
+              <a:ext cx="2160015" cy="369332"/>
+            </a:xfrm>
+            <a:prstGeom prst="rect">
+              <a:avLst/>
+            </a:prstGeom>
+            <a:noFill/>
+          </p:spPr>
+          <p:txBody>
+            <a:bodyPr wrap="none" rtlCol="0">
+              <a:spAutoFit/>
+            </a:bodyPr>
+            <a:lstStyle/>
+            <a:p>
+              <a:r>
+                <a:rPr lang="de-DE" dirty="0"/>
+                <a:t>Portfolio Partial View</a:t>
+              </a:r>
+              <a:endParaRPr lang="en-US" dirty="0"/>
+            </a:p>
+          </p:txBody>
+        </p:sp>
+      </p:grpSp>
+      <p:sp>
+        <p:nvSpPr>
+          <p:cNvPr id="23" name="Rectangle 22">
+            <a:extLst>
+              <a:ext uri="{FF2B5EF4-FFF2-40B4-BE49-F238E27FC236}">
+                <a16:creationId xmlns:a16="http://schemas.microsoft.com/office/drawing/2014/main" id="{2401376D-33BF-4F3B-89CC-55CF768DB09E}"/>
+              </a:ext>
+            </a:extLst>
+          </p:cNvPr>
+          <p:cNvSpPr/>
+          <p:nvPr/>
+        </p:nvSpPr>
+        <p:spPr>
+          <a:xfrm>
+            <a:off x="4211499" y="2198412"/>
+            <a:ext cx="2314161" cy="500271"/>
+          </a:xfrm>
+          <a:prstGeom prst="rect">
+            <a:avLst/>
+          </a:prstGeom>
+          <a:noFill/>
+          <a:ln>
+            <a:solidFill>
+              <a:schemeClr val="tx1"/>
+            </a:solidFill>
+          </a:ln>
+        </p:spPr>
+        <p:style>
+          <a:lnRef idx="2">
+            <a:schemeClr val="accent1">
+              <a:shade val="50000"/>
+            </a:schemeClr>
+          </a:lnRef>
+          <a:fillRef idx="1">
+            <a:schemeClr val="accent1"/>
+          </a:fillRef>
+          <a:effectRef idx="0">
+            <a:schemeClr val="accent1"/>
+          </a:effectRef>
+          <a:fontRef idx="minor">
+            <a:schemeClr val="lt1"/>
+          </a:fontRef>
+        </p:style>
+        <p:txBody>
+          <a:bodyPr rtlCol="0" anchor="ctr"/>
+          <a:lstStyle/>
+          <a:p>
+            <a:pPr algn="ctr"/>
+            <a:endParaRPr lang="en-US"/>
+          </a:p>
+        </p:txBody>
+      </p:sp>
+      <p:sp>
+        <p:nvSpPr>
+          <p:cNvPr id="24" name="Rectangle 23">
+            <a:extLst>
+              <a:ext uri="{FF2B5EF4-FFF2-40B4-BE49-F238E27FC236}">
+                <a16:creationId xmlns:a16="http://schemas.microsoft.com/office/drawing/2014/main" id="{6F6BCA2B-4E2F-4C79-9699-64FF81F66C7E}"/>
+              </a:ext>
+            </a:extLst>
+          </p:cNvPr>
+          <p:cNvSpPr/>
+          <p:nvPr/>
+        </p:nvSpPr>
+        <p:spPr>
+          <a:xfrm>
+            <a:off x="6943077" y="2769272"/>
+            <a:ext cx="2314161" cy="500271"/>
+          </a:xfrm>
+          <a:prstGeom prst="rect">
+            <a:avLst/>
+          </a:prstGeom>
+          <a:noFill/>
+          <a:ln>
+            <a:solidFill>
+              <a:schemeClr val="tx1"/>
+            </a:solidFill>
+          </a:ln>
+        </p:spPr>
+        <p:style>
+          <a:lnRef idx="2">
+            <a:schemeClr val="accent1">
+              <a:shade val="50000"/>
+            </a:schemeClr>
+          </a:lnRef>
+          <a:fillRef idx="1">
+            <a:schemeClr val="accent1"/>
+          </a:fillRef>
+          <a:effectRef idx="0">
+            <a:schemeClr val="accent1"/>
+          </a:effectRef>
+          <a:fontRef idx="minor">
+            <a:schemeClr val="lt1"/>
+          </a:fontRef>
+        </p:style>
+        <p:txBody>
+          <a:bodyPr rtlCol="0" anchor="ctr"/>
+          <a:lstStyle/>
+          <a:p>
+            <a:pPr algn="ctr"/>
+            <a:endParaRPr lang="en-US"/>
+          </a:p>
+        </p:txBody>
+      </p:sp>
+      <p:sp>
+        <p:nvSpPr>
+          <p:cNvPr id="25" name="Rectangle 24">
+            <a:extLst>
+              <a:ext uri="{FF2B5EF4-FFF2-40B4-BE49-F238E27FC236}">
+                <a16:creationId xmlns:a16="http://schemas.microsoft.com/office/drawing/2014/main" id="{BB889564-3C6E-45FF-A308-F3468AC54EE7}"/>
+              </a:ext>
+            </a:extLst>
+          </p:cNvPr>
+          <p:cNvSpPr/>
+          <p:nvPr/>
+        </p:nvSpPr>
+        <p:spPr>
+          <a:xfrm>
+            <a:off x="6943077" y="3332164"/>
+            <a:ext cx="2314161" cy="500271"/>
+          </a:xfrm>
+          <a:prstGeom prst="rect">
+            <a:avLst/>
+          </a:prstGeom>
+          <a:noFill/>
+          <a:ln>
+            <a:solidFill>
+              <a:schemeClr val="tx1"/>
+            </a:solidFill>
+          </a:ln>
+        </p:spPr>
+        <p:style>
+          <a:lnRef idx="2">
+            <a:schemeClr val="accent1">
+              <a:shade val="50000"/>
+            </a:schemeClr>
+          </a:lnRef>
+          <a:fillRef idx="1">
+            <a:schemeClr val="accent1"/>
+          </a:fillRef>
+          <a:effectRef idx="0">
+            <a:schemeClr val="accent1"/>
+          </a:effectRef>
+          <a:fontRef idx="minor">
+            <a:schemeClr val="lt1"/>
+          </a:fontRef>
+        </p:style>
+        <p:txBody>
+          <a:bodyPr rtlCol="0" anchor="ctr"/>
+          <a:lstStyle/>
+          <a:p>
+            <a:pPr algn="ctr"/>
+            <a:endParaRPr lang="en-US"/>
+          </a:p>
+        </p:txBody>
+      </p:sp>
+      <p:sp>
+        <p:nvSpPr>
+          <p:cNvPr id="26" name="Rectangle 25">
+            <a:extLst>
+              <a:ext uri="{FF2B5EF4-FFF2-40B4-BE49-F238E27FC236}">
+                <a16:creationId xmlns:a16="http://schemas.microsoft.com/office/drawing/2014/main" id="{63025084-FA51-4B3D-B8F5-3CC32EEA45EA}"/>
+              </a:ext>
+            </a:extLst>
+          </p:cNvPr>
+          <p:cNvSpPr/>
+          <p:nvPr/>
+        </p:nvSpPr>
+        <p:spPr>
+          <a:xfrm>
+            <a:off x="6937653" y="3885583"/>
+            <a:ext cx="2314161" cy="500271"/>
+          </a:xfrm>
+          <a:prstGeom prst="rect">
+            <a:avLst/>
+          </a:prstGeom>
+          <a:noFill/>
+          <a:ln>
+            <a:solidFill>
+              <a:schemeClr val="tx1"/>
+            </a:solidFill>
+          </a:ln>
+        </p:spPr>
+        <p:style>
+          <a:lnRef idx="2">
+            <a:schemeClr val="accent1">
+              <a:shade val="50000"/>
+            </a:schemeClr>
+          </a:lnRef>
+          <a:fillRef idx="1">
+            <a:schemeClr val="accent1"/>
+          </a:fillRef>
+          <a:effectRef idx="0">
+            <a:schemeClr val="accent1"/>
+          </a:effectRef>
+          <a:fontRef idx="minor">
+            <a:schemeClr val="lt1"/>
+          </a:fontRef>
+        </p:style>
+        <p:txBody>
+          <a:bodyPr rtlCol="0" anchor="ctr"/>
+          <a:lstStyle/>
+          <a:p>
+            <a:pPr algn="ctr"/>
+            <a:endParaRPr lang="en-US"/>
+          </a:p>
+        </p:txBody>
+      </p:sp>
+      <p:cxnSp>
+        <p:nvCxnSpPr>
+          <p:cNvPr id="27" name="Straight Connector 26">
+            <a:extLst>
+              <a:ext uri="{FF2B5EF4-FFF2-40B4-BE49-F238E27FC236}">
+                <a16:creationId xmlns:a16="http://schemas.microsoft.com/office/drawing/2014/main" id="{CC8A1BDE-FA01-426F-BDD2-EF906816F43F}"/>
+              </a:ext>
+            </a:extLst>
+          </p:cNvPr>
+          <p:cNvCxnSpPr>
+            <a:cxnSpLocks/>
+          </p:cNvCxnSpPr>
+          <p:nvPr/>
+        </p:nvCxnSpPr>
+        <p:spPr>
+          <a:xfrm flipV="1">
+            <a:off x="6241566" y="1892785"/>
+            <a:ext cx="700712" cy="299871"/>
+          </a:xfrm>
+          <a:prstGeom prst="line">
+            <a:avLst/>
+          </a:prstGeom>
+        </p:spPr>
+        <p:style>
+          <a:lnRef idx="1">
+            <a:schemeClr val="accent1"/>
+          </a:lnRef>
+          <a:fillRef idx="0">
+            <a:schemeClr val="accent1"/>
+          </a:fillRef>
+          <a:effectRef idx="0">
+            <a:schemeClr val="accent1"/>
+          </a:effectRef>
+          <a:fontRef idx="minor">
+            <a:schemeClr val="tx1"/>
+          </a:fontRef>
+        </p:style>
+      </p:cxnSp>
+      <p:cxnSp>
+        <p:nvCxnSpPr>
+          <p:cNvPr id="29" name="Straight Connector 28">
+            <a:extLst>
+              <a:ext uri="{FF2B5EF4-FFF2-40B4-BE49-F238E27FC236}">
+                <a16:creationId xmlns:a16="http://schemas.microsoft.com/office/drawing/2014/main" id="{92E0A8C9-A49D-4DAA-B0C2-D9946A68B7CE}"/>
+              </a:ext>
+            </a:extLst>
+          </p:cNvPr>
+          <p:cNvCxnSpPr>
+            <a:cxnSpLocks/>
+          </p:cNvCxnSpPr>
+          <p:nvPr/>
+        </p:nvCxnSpPr>
+        <p:spPr>
+          <a:xfrm flipV="1">
+            <a:off x="6241566" y="2311852"/>
+            <a:ext cx="700711" cy="356528"/>
+          </a:xfrm>
+          <a:prstGeom prst="line">
+            <a:avLst/>
+          </a:prstGeom>
+        </p:spPr>
+        <p:style>
+          <a:lnRef idx="1">
+            <a:schemeClr val="accent1"/>
+          </a:lnRef>
+          <a:fillRef idx="0">
+            <a:schemeClr val="accent1"/>
+          </a:fillRef>
+          <a:effectRef idx="0">
+            <a:schemeClr val="accent1"/>
+          </a:effectRef>
+          <a:fontRef idx="minor">
+            <a:schemeClr val="tx1"/>
+          </a:fontRef>
+        </p:style>
+      </p:cxnSp>
+      <p:cxnSp>
+        <p:nvCxnSpPr>
+          <p:cNvPr id="32" name="Straight Connector 31">
+            <a:extLst>
+              <a:ext uri="{FF2B5EF4-FFF2-40B4-BE49-F238E27FC236}">
+                <a16:creationId xmlns:a16="http://schemas.microsoft.com/office/drawing/2014/main" id="{559AE012-07FF-4CA8-9396-E9B93DA65DD4}"/>
+              </a:ext>
+            </a:extLst>
+          </p:cNvPr>
+          <p:cNvCxnSpPr>
+            <a:cxnSpLocks/>
+          </p:cNvCxnSpPr>
+          <p:nvPr/>
+        </p:nvCxnSpPr>
+        <p:spPr>
+          <a:xfrm flipV="1">
+            <a:off x="6515344" y="2759792"/>
+            <a:ext cx="426933" cy="68231"/>
+          </a:xfrm>
+          <a:prstGeom prst="line">
+            <a:avLst/>
+          </a:prstGeom>
+        </p:spPr>
+        <p:style>
+          <a:lnRef idx="1">
+            <a:schemeClr val="accent1"/>
+          </a:lnRef>
+          <a:fillRef idx="0">
+            <a:schemeClr val="accent1"/>
+          </a:fillRef>
+          <a:effectRef idx="0">
+            <a:schemeClr val="accent1"/>
+          </a:effectRef>
+          <a:fontRef idx="minor">
+            <a:schemeClr val="tx1"/>
+          </a:fontRef>
+        </p:style>
+      </p:cxnSp>
+      <p:cxnSp>
+        <p:nvCxnSpPr>
+          <p:cNvPr id="35" name="Straight Connector 34">
+            <a:extLst>
+              <a:ext uri="{FF2B5EF4-FFF2-40B4-BE49-F238E27FC236}">
+                <a16:creationId xmlns:a16="http://schemas.microsoft.com/office/drawing/2014/main" id="{8FADEF86-3AEF-42A1-B94F-6E663B8A8955}"/>
+              </a:ext>
+            </a:extLst>
+          </p:cNvPr>
+          <p:cNvCxnSpPr>
+            <a:cxnSpLocks/>
+          </p:cNvCxnSpPr>
+          <p:nvPr/>
+        </p:nvCxnSpPr>
+        <p:spPr>
+          <a:xfrm>
+            <a:off x="6525660" y="4375874"/>
+            <a:ext cx="416617" cy="53148"/>
+          </a:xfrm>
+          <a:prstGeom prst="line">
+            <a:avLst/>
+          </a:prstGeom>
+        </p:spPr>
+        <p:style>
+          <a:lnRef idx="1">
+            <a:schemeClr val="accent1"/>
+          </a:lnRef>
+          <a:fillRef idx="0">
+            <a:schemeClr val="accent1"/>
+          </a:fillRef>
+          <a:effectRef idx="0">
+            <a:schemeClr val="accent1"/>
+          </a:effectRef>
+          <a:fontRef idx="minor">
+            <a:schemeClr val="tx1"/>
+          </a:fontRef>
+        </p:style>
+      </p:cxnSp>
+      <p:cxnSp>
+        <p:nvCxnSpPr>
+          <p:cNvPr id="38" name="Straight Connector 37">
+            <a:extLst>
+              <a:ext uri="{FF2B5EF4-FFF2-40B4-BE49-F238E27FC236}">
+                <a16:creationId xmlns:a16="http://schemas.microsoft.com/office/drawing/2014/main" id="{AB47F39B-A3F2-4015-8012-D70F4B3969C6}"/>
+              </a:ext>
+            </a:extLst>
+          </p:cNvPr>
+          <p:cNvCxnSpPr>
+            <a:cxnSpLocks/>
+          </p:cNvCxnSpPr>
+          <p:nvPr/>
+        </p:nvCxnSpPr>
+        <p:spPr>
+          <a:xfrm flipV="1">
+            <a:off x="9251815" y="2297216"/>
+            <a:ext cx="623420" cy="468913"/>
+          </a:xfrm>
+          <a:prstGeom prst="line">
+            <a:avLst/>
+          </a:prstGeom>
+        </p:spPr>
+        <p:style>
+          <a:lnRef idx="1">
+            <a:schemeClr val="accent1"/>
+          </a:lnRef>
+          <a:fillRef idx="0">
+            <a:schemeClr val="accent1"/>
+          </a:fillRef>
+          <a:effectRef idx="0">
+            <a:schemeClr val="accent1"/>
+          </a:effectRef>
+          <a:fontRef idx="minor">
+            <a:schemeClr val="tx1"/>
+          </a:fontRef>
+        </p:style>
+      </p:cxnSp>
+      <p:cxnSp>
+        <p:nvCxnSpPr>
+          <p:cNvPr id="44" name="Straight Connector 43">
+            <a:extLst>
+              <a:ext uri="{FF2B5EF4-FFF2-40B4-BE49-F238E27FC236}">
+                <a16:creationId xmlns:a16="http://schemas.microsoft.com/office/drawing/2014/main" id="{48CE57C8-5394-48F6-87DA-930045A165DA}"/>
+              </a:ext>
+            </a:extLst>
+          </p:cNvPr>
+          <p:cNvCxnSpPr>
+            <a:cxnSpLocks/>
+          </p:cNvCxnSpPr>
+          <p:nvPr/>
+        </p:nvCxnSpPr>
+        <p:spPr>
+          <a:xfrm flipV="1">
+            <a:off x="9251814" y="2698683"/>
+            <a:ext cx="661347" cy="570860"/>
+          </a:xfrm>
+          <a:prstGeom prst="line">
+            <a:avLst/>
+          </a:prstGeom>
+        </p:spPr>
+        <p:style>
+          <a:lnRef idx="1">
+            <a:schemeClr val="accent1"/>
+          </a:lnRef>
+          <a:fillRef idx="0">
+            <a:schemeClr val="accent1"/>
+          </a:fillRef>
+          <a:effectRef idx="0">
+            <a:schemeClr val="accent1"/>
+          </a:effectRef>
+          <a:fontRef idx="minor">
+            <a:schemeClr val="tx1"/>
+          </a:fontRef>
+        </p:style>
+      </p:cxnSp>
+      <p:cxnSp>
+        <p:nvCxnSpPr>
+          <p:cNvPr id="47" name="Straight Connector 46">
+            <a:extLst>
+              <a:ext uri="{FF2B5EF4-FFF2-40B4-BE49-F238E27FC236}">
+                <a16:creationId xmlns:a16="http://schemas.microsoft.com/office/drawing/2014/main" id="{5D7C266A-507E-4DA8-9C3D-2A1FF16EEDB3}"/>
+              </a:ext>
+            </a:extLst>
+          </p:cNvPr>
+          <p:cNvCxnSpPr>
+            <a:cxnSpLocks/>
+          </p:cNvCxnSpPr>
+          <p:nvPr/>
+        </p:nvCxnSpPr>
+        <p:spPr>
+          <a:xfrm flipV="1">
+            <a:off x="9251814" y="3310085"/>
+            <a:ext cx="623421" cy="12606"/>
+          </a:xfrm>
+          <a:prstGeom prst="line">
+            <a:avLst/>
+          </a:prstGeom>
+        </p:spPr>
+        <p:style>
+          <a:lnRef idx="1">
+            <a:schemeClr val="accent1"/>
+          </a:lnRef>
+          <a:fillRef idx="0">
+            <a:schemeClr val="accent1"/>
+          </a:fillRef>
+          <a:effectRef idx="0">
+            <a:schemeClr val="accent1"/>
+          </a:effectRef>
+          <a:fontRef idx="minor">
+            <a:schemeClr val="tx1"/>
+          </a:fontRef>
+        </p:style>
+      </p:cxnSp>
+      <p:cxnSp>
+        <p:nvCxnSpPr>
+          <p:cNvPr id="50" name="Straight Connector 49">
+            <a:extLst>
+              <a:ext uri="{FF2B5EF4-FFF2-40B4-BE49-F238E27FC236}">
+                <a16:creationId xmlns:a16="http://schemas.microsoft.com/office/drawing/2014/main" id="{3689C122-43C4-4CF8-AD0C-4A06A05ABE7C}"/>
+              </a:ext>
+            </a:extLst>
+          </p:cNvPr>
+          <p:cNvCxnSpPr>
+            <a:cxnSpLocks/>
+          </p:cNvCxnSpPr>
+          <p:nvPr/>
+        </p:nvCxnSpPr>
+        <p:spPr>
+          <a:xfrm flipV="1">
+            <a:off x="9251014" y="3690352"/>
+            <a:ext cx="620909" cy="107399"/>
+          </a:xfrm>
+          <a:prstGeom prst="line">
+            <a:avLst/>
+          </a:prstGeom>
+        </p:spPr>
+        <p:style>
+          <a:lnRef idx="1">
+            <a:schemeClr val="accent1"/>
+          </a:lnRef>
+          <a:fillRef idx="0">
+            <a:schemeClr val="accent1"/>
+          </a:fillRef>
+          <a:effectRef idx="0">
+            <a:schemeClr val="accent1"/>
+          </a:effectRef>
+          <a:fontRef idx="minor">
+            <a:schemeClr val="tx1"/>
+          </a:fontRef>
+        </p:style>
+      </p:cxnSp>
+      <p:sp>
+        <p:nvSpPr>
+          <p:cNvPr id="34" name="Rectangle 33">
+            <a:extLst>
+              <a:ext uri="{FF2B5EF4-FFF2-40B4-BE49-F238E27FC236}">
+                <a16:creationId xmlns:a16="http://schemas.microsoft.com/office/drawing/2014/main" id="{BB72DBF2-10BC-45D5-BA9D-6D79F9EE951B}"/>
+              </a:ext>
+            </a:extLst>
+          </p:cNvPr>
+          <p:cNvSpPr/>
+          <p:nvPr/>
+        </p:nvSpPr>
+        <p:spPr>
+          <a:xfrm>
+            <a:off x="4213346" y="2822413"/>
+            <a:ext cx="2314161" cy="1553461"/>
+          </a:xfrm>
+          <a:prstGeom prst="rect">
+            <a:avLst/>
+          </a:prstGeom>
+          <a:noFill/>
+          <a:ln>
+            <a:solidFill>
+              <a:schemeClr val="tx1"/>
+            </a:solidFill>
+          </a:ln>
+        </p:spPr>
+        <p:style>
+          <a:lnRef idx="2">
+            <a:schemeClr val="accent1">
+              <a:shade val="50000"/>
+            </a:schemeClr>
+          </a:lnRef>
+          <a:fillRef idx="1">
+            <a:schemeClr val="accent1"/>
+          </a:fillRef>
+          <a:effectRef idx="0">
+            <a:schemeClr val="accent1"/>
+          </a:effectRef>
+          <a:fontRef idx="minor">
+            <a:schemeClr val="lt1"/>
+          </a:fontRef>
+        </p:style>
+        <p:txBody>
+          <a:bodyPr rtlCol="0" anchor="ctr"/>
+          <a:lstStyle/>
+          <a:p>
+            <a:pPr algn="ctr"/>
+            <a:endParaRPr lang="en-US"/>
+          </a:p>
+        </p:txBody>
+      </p:sp>
+      <p:sp>
+        <p:nvSpPr>
+          <p:cNvPr id="36" name="TextBox 35">
+            <a:extLst>
+              <a:ext uri="{FF2B5EF4-FFF2-40B4-BE49-F238E27FC236}">
+                <a16:creationId xmlns:a16="http://schemas.microsoft.com/office/drawing/2014/main" id="{87AA72EB-204A-4F2F-8995-070D9A0EE8EE}"/>
+              </a:ext>
+            </a:extLst>
+          </p:cNvPr>
+          <p:cNvSpPr txBox="1"/>
+          <p:nvPr/>
+        </p:nvSpPr>
+        <p:spPr>
+          <a:xfrm>
+            <a:off x="7028905" y="2396797"/>
+            <a:ext cx="2103461" cy="369332"/>
+          </a:xfrm>
+          <a:prstGeom prst="rect">
+            <a:avLst/>
+          </a:prstGeom>
+          <a:noFill/>
+        </p:spPr>
+        <p:txBody>
+          <a:bodyPr wrap="none" rtlCol="0">
+            <a:spAutoFit/>
+          </a:bodyPr>
+          <a:lstStyle/>
+          <a:p>
+            <a:r>
+              <a:rPr lang="de-DE" dirty="0"/>
+              <a:t>Content Partial View</a:t>
+            </a:r>
+            <a:endParaRPr lang="en-US" dirty="0"/>
+          </a:p>
+        </p:txBody>
+      </p:sp>
+      <p:cxnSp>
+        <p:nvCxnSpPr>
+          <p:cNvPr id="51" name="Straight Connector 50">
+            <a:extLst>
+              <a:ext uri="{FF2B5EF4-FFF2-40B4-BE49-F238E27FC236}">
+                <a16:creationId xmlns:a16="http://schemas.microsoft.com/office/drawing/2014/main" id="{3BBFF1E0-3058-4210-86F1-4A8C6E236EB2}"/>
+              </a:ext>
+            </a:extLst>
+          </p:cNvPr>
+          <p:cNvCxnSpPr>
+            <a:cxnSpLocks/>
+          </p:cNvCxnSpPr>
+          <p:nvPr/>
+        </p:nvCxnSpPr>
+        <p:spPr>
+          <a:xfrm>
+            <a:off x="9265974" y="3913136"/>
+            <a:ext cx="605949" cy="382634"/>
+          </a:xfrm>
+          <a:prstGeom prst="line">
+            <a:avLst/>
+          </a:prstGeom>
+        </p:spPr>
+        <p:style>
+          <a:lnRef idx="1">
+            <a:schemeClr val="accent1"/>
+          </a:lnRef>
+          <a:fillRef idx="0">
+            <a:schemeClr val="accent1"/>
+          </a:fillRef>
+          <a:effectRef idx="0">
+            <a:schemeClr val="accent1"/>
+          </a:effectRef>
+          <a:fontRef idx="minor">
+            <a:schemeClr val="tx1"/>
+          </a:fontRef>
+        </p:style>
+      </p:cxnSp>
+      <p:cxnSp>
+        <p:nvCxnSpPr>
+          <p:cNvPr id="53" name="Straight Connector 52">
+            <a:extLst>
+              <a:ext uri="{FF2B5EF4-FFF2-40B4-BE49-F238E27FC236}">
+                <a16:creationId xmlns:a16="http://schemas.microsoft.com/office/drawing/2014/main" id="{635E75A1-A829-4628-9C69-1C49BE6D8B38}"/>
+              </a:ext>
+            </a:extLst>
+          </p:cNvPr>
+          <p:cNvCxnSpPr>
+            <a:cxnSpLocks/>
+          </p:cNvCxnSpPr>
+          <p:nvPr/>
+        </p:nvCxnSpPr>
+        <p:spPr>
+          <a:xfrm>
+            <a:off x="9278137" y="4385854"/>
+            <a:ext cx="593786" cy="317422"/>
+          </a:xfrm>
+          <a:prstGeom prst="line">
+            <a:avLst/>
+          </a:prstGeom>
+        </p:spPr>
+        <p:style>
+          <a:lnRef idx="1">
+            <a:schemeClr val="accent1"/>
+          </a:lnRef>
+          <a:fillRef idx="0">
+            <a:schemeClr val="accent1"/>
+          </a:fillRef>
+          <a:effectRef idx="0">
+            <a:schemeClr val="accent1"/>
+          </a:effectRef>
+          <a:fontRef idx="minor">
+            <a:schemeClr val="tx1"/>
+          </a:fontRef>
+        </p:style>
+      </p:cxnSp>
+    </p:spTree>
+    <p:extLst>
+      <p:ext uri="{BB962C8B-B14F-4D97-AF65-F5344CB8AC3E}">
+        <p14:creationId xmlns:p14="http://schemas.microsoft.com/office/powerpoint/2010/main" val="3474369114"/>
+      </p:ext>
+    </p:extLst>
+  </p:cSld>
+  <p:clrMapOvr>
+    <a:masterClrMapping/>
+  </p:clrMapOvr>
+</p:sld>
+</file>
+
+<file path=ppt/slides/slide4.xml><?xml version="1.0" encoding="utf-8"?>
+<p:sld xmlns:a="http://schemas.openxmlformats.org/drawingml/2006/main" xmlns:r="http://schemas.openxmlformats.org/officeDocument/2006/relationships" xmlns:p="http://schemas.openxmlformats.org/presentationml/2006/main">
+  <p:cSld>
+    <p:spTree>
+      <p:nvGrpSpPr>
+        <p:cNvPr id="1" name=""/>
+        <p:cNvGrpSpPr/>
+        <p:nvPr/>
+      </p:nvGrpSpPr>
+      <p:grpSpPr>
+        <a:xfrm>
+          <a:off x="0" y="0"/>
+          <a:ext cx="0" cy="0"/>
+          <a:chOff x="0" y="0"/>
+          <a:chExt cx="0" cy="0"/>
+        </a:xfrm>
+      </p:grpSpPr>
+      <p:sp>
+        <p:nvSpPr>
+          <p:cNvPr id="33" name="Rectangle 32">
+            <a:extLst>
+              <a:ext uri="{FF2B5EF4-FFF2-40B4-BE49-F238E27FC236}">
+                <a16:creationId xmlns:a16="http://schemas.microsoft.com/office/drawing/2014/main" id="{E6197336-BBE6-4BB2-BE67-454679D8E7DB}"/>
+              </a:ext>
+            </a:extLst>
+          </p:cNvPr>
+          <p:cNvSpPr/>
+          <p:nvPr/>
+        </p:nvSpPr>
+        <p:spPr>
+          <a:xfrm>
+            <a:off x="6932763" y="2756320"/>
+            <a:ext cx="2324475" cy="1682682"/>
+          </a:xfrm>
+          <a:prstGeom prst="rect">
+            <a:avLst/>
+          </a:prstGeom>
+        </p:spPr>
+        <p:style>
+          <a:lnRef idx="1">
+            <a:schemeClr val="accent1"/>
+          </a:lnRef>
+          <a:fillRef idx="3">
+            <a:schemeClr val="accent1"/>
+          </a:fillRef>
+          <a:effectRef idx="2">
+            <a:schemeClr val="accent1"/>
+          </a:effectRef>
+          <a:fontRef idx="minor">
+            <a:schemeClr val="lt1"/>
+          </a:fontRef>
+        </p:style>
+        <p:txBody>
+          <a:bodyPr rtlCol="0" anchor="ctr"/>
+          <a:lstStyle/>
+          <a:p>
+            <a:r>
+              <a:rPr lang="de-DE" dirty="0" err="1"/>
+              <a:t>eve</a:t>
+            </a:r>
+            <a:r>
+              <a:rPr lang="de-DE" dirty="0"/>
+              <a:t>-partial=</a:t>
+            </a:r>
+            <a:r>
+              <a:rPr lang="de-DE" dirty="0" err="1"/>
+              <a:t>about</a:t>
+            </a:r>
+            <a:endParaRPr lang="de-DE" dirty="0"/>
+          </a:p>
+          <a:p>
+            <a:endParaRPr lang="de-DE" dirty="0"/>
+          </a:p>
+          <a:p>
+            <a:r>
+              <a:rPr lang="de-DE" dirty="0" err="1"/>
+              <a:t>eve</a:t>
+            </a:r>
+            <a:r>
+              <a:rPr lang="de-DE" dirty="0"/>
+              <a:t>-partial=</a:t>
+            </a:r>
+            <a:r>
+              <a:rPr lang="de-DE" dirty="0" err="1"/>
+              <a:t>services</a:t>
+            </a:r>
+            <a:endParaRPr lang="de-DE" dirty="0"/>
+          </a:p>
+          <a:p>
+            <a:endParaRPr lang="de-DE" dirty="0"/>
+          </a:p>
+          <a:p>
+            <a:r>
+              <a:rPr lang="de-DE" dirty="0" err="1"/>
+              <a:t>eve</a:t>
+            </a:r>
+            <a:r>
+              <a:rPr lang="de-DE" dirty="0"/>
+              <a:t>-partial=</a:t>
+            </a:r>
+            <a:r>
+              <a:rPr lang="de-DE" dirty="0" err="1"/>
+              <a:t>portfolio</a:t>
+            </a:r>
+            <a:endParaRPr lang="de-DE" dirty="0"/>
+          </a:p>
+          <a:p>
+            <a:endParaRPr lang="de-DE" dirty="0"/>
+          </a:p>
+        </p:txBody>
+      </p:sp>
+      <p:sp>
+        <p:nvSpPr>
+          <p:cNvPr id="4" name="Rectangle 3">
+            <a:extLst>
+              <a:ext uri="{FF2B5EF4-FFF2-40B4-BE49-F238E27FC236}">
+                <a16:creationId xmlns:a16="http://schemas.microsoft.com/office/drawing/2014/main" id="{887CC6B6-1096-4A1B-8B0C-E480C55D9FC5}"/>
+              </a:ext>
+            </a:extLst>
+          </p:cNvPr>
+          <p:cNvSpPr/>
+          <p:nvPr/>
+        </p:nvSpPr>
+        <p:spPr>
+          <a:xfrm>
+            <a:off x="208237" y="584960"/>
+            <a:ext cx="3816626" cy="6003234"/>
+          </a:xfrm>
+          <a:prstGeom prst="rect">
+            <a:avLst/>
+          </a:prstGeom>
+        </p:spPr>
+        <p:style>
+          <a:lnRef idx="1">
+            <a:schemeClr val="accent1"/>
+          </a:lnRef>
+          <a:fillRef idx="3">
+            <a:schemeClr val="accent1"/>
+          </a:fillRef>
+          <a:effectRef idx="2">
+            <a:schemeClr val="accent1"/>
+          </a:effectRef>
+          <a:fontRef idx="minor">
+            <a:schemeClr val="lt1"/>
+          </a:fontRef>
+        </p:style>
+        <p:txBody>
           <a:bodyPr rtlCol="0" anchor="t"/>
           <a:lstStyle/>
           <a:p>
@@ -5321,12 +7114,1834 @@
           </a:p>
           <a:p>
             <a:r>
+              <a:rPr lang="de-DE" dirty="0"/>
+              <a:t>Head</a:t>
+            </a:r>
+            <a:br>
+              <a:rPr lang="de-DE" dirty="0"/>
+            </a:br>
+            <a:r>
+              <a:rPr lang="de-DE" dirty="0"/>
+              <a:t>Body</a:t>
+            </a:r>
+          </a:p>
+          <a:p>
+            <a:r>
+              <a:rPr lang="de-DE" dirty="0"/>
+              <a:t>Navigation</a:t>
+            </a:r>
+          </a:p>
+          <a:p>
+            <a:endParaRPr lang="de-DE" dirty="0"/>
+          </a:p>
+          <a:p>
+            <a:endParaRPr lang="de-DE" dirty="0"/>
+          </a:p>
+          <a:p>
+            <a:endParaRPr lang="de-DE" dirty="0"/>
+          </a:p>
+          <a:p>
+            <a:endParaRPr lang="de-DE" dirty="0"/>
+          </a:p>
+          <a:p>
+            <a:endParaRPr lang="de-DE" dirty="0"/>
+          </a:p>
+          <a:p>
+            <a:r>
+              <a:rPr lang="de-DE" dirty="0" err="1"/>
+              <a:t>eve-renderbody</a:t>
+            </a:r>
+            <a:endParaRPr lang="de-DE" dirty="0"/>
+          </a:p>
+          <a:p>
+            <a:endParaRPr lang="de-DE" dirty="0"/>
+          </a:p>
+          <a:p>
+            <a:endParaRPr lang="de-DE" dirty="0"/>
+          </a:p>
+          <a:p>
+            <a:endParaRPr lang="de-DE" dirty="0"/>
+          </a:p>
+          <a:p>
+            <a:endParaRPr lang="de-DE" dirty="0"/>
+          </a:p>
+          <a:p>
+            <a:endParaRPr lang="de-DE" dirty="0"/>
+          </a:p>
+          <a:p>
+            <a:endParaRPr lang="de-DE" dirty="0"/>
+          </a:p>
+          <a:p>
+            <a:endParaRPr lang="de-DE" dirty="0"/>
+          </a:p>
+          <a:p>
+            <a:endParaRPr lang="de-DE" dirty="0"/>
+          </a:p>
+          <a:p>
+            <a:r>
+              <a:rPr lang="de-DE" dirty="0" err="1"/>
+              <a:t>Footer</a:t>
+            </a:r>
+            <a:endParaRPr lang="de-DE" dirty="0"/>
+          </a:p>
+          <a:p>
+            <a:r>
+              <a:rPr lang="de-DE" dirty="0"/>
+              <a:t>Scripts</a:t>
+            </a:r>
+          </a:p>
+          <a:p>
+            <a:r>
+              <a:rPr lang="de-DE" dirty="0"/>
+              <a:t>End </a:t>
+            </a:r>
+            <a:r>
+              <a:rPr lang="de-DE" dirty="0" err="1"/>
+              <a:t>Html</a:t>
+            </a:r>
+            <a:endParaRPr lang="en-US" dirty="0"/>
+          </a:p>
+        </p:txBody>
+      </p:sp>
+      <p:sp>
+        <p:nvSpPr>
+          <p:cNvPr id="5" name="Rectangle 4">
+            <a:extLst>
+              <a:ext uri="{FF2B5EF4-FFF2-40B4-BE49-F238E27FC236}">
+                <a16:creationId xmlns:a16="http://schemas.microsoft.com/office/drawing/2014/main" id="{B0B5994A-2294-4CE2-B225-A546CE14E638}"/>
+              </a:ext>
+            </a:extLst>
+          </p:cNvPr>
+          <p:cNvSpPr/>
+          <p:nvPr/>
+        </p:nvSpPr>
+        <p:spPr>
+          <a:xfrm>
+            <a:off x="4201183" y="2188473"/>
+            <a:ext cx="2314161" cy="2703443"/>
+          </a:xfrm>
+          <a:prstGeom prst="rect">
+            <a:avLst/>
+          </a:prstGeom>
+        </p:spPr>
+        <p:style>
+          <a:lnRef idx="1">
+            <a:schemeClr val="accent1"/>
+          </a:lnRef>
+          <a:fillRef idx="3">
+            <a:schemeClr val="accent1"/>
+          </a:fillRef>
+          <a:effectRef idx="2">
+            <a:schemeClr val="accent1"/>
+          </a:effectRef>
+          <a:fontRef idx="minor">
+            <a:schemeClr val="lt1"/>
+          </a:fontRef>
+        </p:style>
+        <p:txBody>
+          <a:bodyPr rtlCol="0" anchor="ctr"/>
+          <a:lstStyle/>
+          <a:p>
+            <a:r>
+              <a:rPr lang="de-DE" dirty="0" err="1"/>
+              <a:t>eve</a:t>
+            </a:r>
+            <a:r>
+              <a:rPr lang="de-DE" dirty="0"/>
+              <a:t>-partial=</a:t>
+            </a:r>
+            <a:r>
+              <a:rPr lang="de-DE" dirty="0" err="1"/>
+              <a:t>header</a:t>
+            </a:r>
+            <a:endParaRPr lang="de-DE" dirty="0"/>
+          </a:p>
+          <a:p>
+            <a:endParaRPr lang="de-DE" dirty="0"/>
+          </a:p>
+          <a:p>
+            <a:endParaRPr lang="de-DE" dirty="0"/>
+          </a:p>
+          <a:p>
+            <a:endParaRPr lang="de-DE" dirty="0"/>
+          </a:p>
+          <a:p>
+            <a:r>
+              <a:rPr lang="de-DE" dirty="0" err="1"/>
+              <a:t>eve</a:t>
+            </a:r>
+            <a:r>
+              <a:rPr lang="de-DE" dirty="0"/>
+              <a:t>-partial=</a:t>
+            </a:r>
+            <a:r>
+              <a:rPr lang="de-DE" dirty="0" err="1"/>
+              <a:t>content</a:t>
+            </a:r>
+            <a:endParaRPr lang="de-DE" dirty="0"/>
+          </a:p>
+          <a:p>
+            <a:endParaRPr lang="de-DE" dirty="0"/>
+          </a:p>
+          <a:p>
+            <a:endParaRPr lang="de-DE" dirty="0"/>
+          </a:p>
+          <a:p>
+            <a:endParaRPr lang="de-DE" dirty="0"/>
+          </a:p>
+          <a:p>
+            <a:r>
+              <a:rPr lang="de-DE" dirty="0"/>
+              <a:t>Etc..</a:t>
+            </a:r>
+          </a:p>
+        </p:txBody>
+      </p:sp>
+      <p:sp>
+        <p:nvSpPr>
+          <p:cNvPr id="6" name="TextBox 5">
+            <a:extLst>
+              <a:ext uri="{FF2B5EF4-FFF2-40B4-BE49-F238E27FC236}">
+                <a16:creationId xmlns:a16="http://schemas.microsoft.com/office/drawing/2014/main" id="{1FF4C585-D41B-4624-897B-69726A09A33A}"/>
+              </a:ext>
+            </a:extLst>
+          </p:cNvPr>
+          <p:cNvSpPr txBox="1"/>
+          <p:nvPr/>
+        </p:nvSpPr>
+        <p:spPr>
+          <a:xfrm>
+            <a:off x="1172333" y="215628"/>
+            <a:ext cx="1366271" cy="369332"/>
+          </a:xfrm>
+          <a:prstGeom prst="rect">
+            <a:avLst/>
+          </a:prstGeom>
+          <a:noFill/>
+        </p:spPr>
+        <p:txBody>
+          <a:bodyPr wrap="none" rtlCol="0">
+            <a:spAutoFit/>
+          </a:bodyPr>
+          <a:lstStyle/>
+          <a:p>
+            <a:r>
+              <a:rPr lang="de-DE" dirty="0"/>
+              <a:t>Master View</a:t>
+            </a:r>
+            <a:endParaRPr lang="en-US" dirty="0"/>
+          </a:p>
+        </p:txBody>
+      </p:sp>
+      <p:sp>
+        <p:nvSpPr>
+          <p:cNvPr id="7" name="TextBox 6">
+            <a:extLst>
+              <a:ext uri="{FF2B5EF4-FFF2-40B4-BE49-F238E27FC236}">
+                <a16:creationId xmlns:a16="http://schemas.microsoft.com/office/drawing/2014/main" id="{F11D1E4F-D099-4A61-817C-F4652917C124}"/>
+              </a:ext>
+            </a:extLst>
+          </p:cNvPr>
+          <p:cNvSpPr txBox="1"/>
+          <p:nvPr/>
+        </p:nvSpPr>
+        <p:spPr>
+          <a:xfrm>
+            <a:off x="4794544" y="1753672"/>
+            <a:ext cx="1148071" cy="369332"/>
+          </a:xfrm>
+          <a:prstGeom prst="rect">
+            <a:avLst/>
+          </a:prstGeom>
+          <a:noFill/>
+        </p:spPr>
+        <p:txBody>
+          <a:bodyPr wrap="none" rtlCol="0">
+            <a:spAutoFit/>
+          </a:bodyPr>
+          <a:lstStyle/>
+          <a:p>
+            <a:r>
+              <a:rPr lang="de-DE" dirty="0"/>
+              <a:t>Page View</a:t>
+            </a:r>
+            <a:endParaRPr lang="en-US" dirty="0"/>
+          </a:p>
+        </p:txBody>
+      </p:sp>
+      <p:sp>
+        <p:nvSpPr>
+          <p:cNvPr id="8" name="Rectangle 7">
+            <a:extLst>
+              <a:ext uri="{FF2B5EF4-FFF2-40B4-BE49-F238E27FC236}">
+                <a16:creationId xmlns:a16="http://schemas.microsoft.com/office/drawing/2014/main" id="{4622C457-45E2-4330-BFC0-9310FC5CEA2F}"/>
+              </a:ext>
+            </a:extLst>
+          </p:cNvPr>
+          <p:cNvSpPr/>
+          <p:nvPr/>
+        </p:nvSpPr>
+        <p:spPr>
+          <a:xfrm>
+            <a:off x="208237" y="1688203"/>
+            <a:ext cx="3816626" cy="3786810"/>
+          </a:xfrm>
+          <a:prstGeom prst="rect">
+            <a:avLst/>
+          </a:prstGeom>
+          <a:noFill/>
+          <a:ln>
+            <a:solidFill>
+              <a:schemeClr val="tx1"/>
+            </a:solidFill>
+          </a:ln>
+        </p:spPr>
+        <p:style>
+          <a:lnRef idx="2">
+            <a:schemeClr val="accent1">
+              <a:shade val="50000"/>
+            </a:schemeClr>
+          </a:lnRef>
+          <a:fillRef idx="1">
+            <a:schemeClr val="accent1"/>
+          </a:fillRef>
+          <a:effectRef idx="0">
+            <a:schemeClr val="accent1"/>
+          </a:effectRef>
+          <a:fontRef idx="minor">
+            <a:schemeClr val="lt1"/>
+          </a:fontRef>
+        </p:style>
+        <p:txBody>
+          <a:bodyPr rtlCol="0" anchor="ctr"/>
+          <a:lstStyle/>
+          <a:p>
+            <a:pPr algn="ctr"/>
+            <a:endParaRPr lang="en-US"/>
+          </a:p>
+        </p:txBody>
+      </p:sp>
+      <p:cxnSp>
+        <p:nvCxnSpPr>
+          <p:cNvPr id="10" name="Straight Connector 9">
+            <a:extLst>
+              <a:ext uri="{FF2B5EF4-FFF2-40B4-BE49-F238E27FC236}">
+                <a16:creationId xmlns:a16="http://schemas.microsoft.com/office/drawing/2014/main" id="{1A523A9D-AE76-4EAD-A634-8B69687240FE}"/>
+              </a:ext>
+            </a:extLst>
+          </p:cNvPr>
+          <p:cNvCxnSpPr>
+            <a:cxnSpLocks/>
+          </p:cNvCxnSpPr>
+          <p:nvPr/>
+        </p:nvCxnSpPr>
+        <p:spPr>
+          <a:xfrm>
+            <a:off x="4024863" y="1688203"/>
+            <a:ext cx="985630" cy="500270"/>
+          </a:xfrm>
+          <a:prstGeom prst="line">
+            <a:avLst/>
+          </a:prstGeom>
+        </p:spPr>
+        <p:style>
+          <a:lnRef idx="1">
+            <a:schemeClr val="accent1"/>
+          </a:lnRef>
+          <a:fillRef idx="0">
+            <a:schemeClr val="accent1"/>
+          </a:fillRef>
+          <a:effectRef idx="0">
+            <a:schemeClr val="accent1"/>
+          </a:effectRef>
+          <a:fontRef idx="minor">
+            <a:schemeClr val="tx1"/>
+          </a:fontRef>
+        </p:style>
+      </p:cxnSp>
+      <p:cxnSp>
+        <p:nvCxnSpPr>
+          <p:cNvPr id="12" name="Straight Connector 11">
+            <a:extLst>
+              <a:ext uri="{FF2B5EF4-FFF2-40B4-BE49-F238E27FC236}">
+                <a16:creationId xmlns:a16="http://schemas.microsoft.com/office/drawing/2014/main" id="{16219EF9-E292-44A2-8E5F-190C60305BA8}"/>
+              </a:ext>
+            </a:extLst>
+          </p:cNvPr>
+          <p:cNvCxnSpPr>
+            <a:cxnSpLocks/>
+          </p:cNvCxnSpPr>
+          <p:nvPr/>
+        </p:nvCxnSpPr>
+        <p:spPr>
+          <a:xfrm flipV="1">
+            <a:off x="4024863" y="4891916"/>
+            <a:ext cx="985630" cy="589723"/>
+          </a:xfrm>
+          <a:prstGeom prst="line">
+            <a:avLst/>
+          </a:prstGeom>
+        </p:spPr>
+        <p:style>
+          <a:lnRef idx="1">
+            <a:schemeClr val="accent1"/>
+          </a:lnRef>
+          <a:fillRef idx="0">
+            <a:schemeClr val="accent1"/>
+          </a:fillRef>
+          <a:effectRef idx="0">
+            <a:schemeClr val="accent1"/>
+          </a:effectRef>
+          <a:fontRef idx="minor">
+            <a:schemeClr val="tx1"/>
+          </a:fontRef>
+        </p:style>
+      </p:cxnSp>
+      <p:grpSp>
+        <p:nvGrpSpPr>
+          <p:cNvPr id="9" name="Group 8">
+            <a:extLst>
+              <a:ext uri="{FF2B5EF4-FFF2-40B4-BE49-F238E27FC236}">
+                <a16:creationId xmlns:a16="http://schemas.microsoft.com/office/drawing/2014/main" id="{3B816E7B-29A4-429C-BA1A-D1C7BFD76395}"/>
+              </a:ext>
+            </a:extLst>
+          </p:cNvPr>
+          <p:cNvGrpSpPr/>
+          <p:nvPr/>
+        </p:nvGrpSpPr>
+        <p:grpSpPr>
+          <a:xfrm>
+            <a:off x="6942278" y="1469545"/>
+            <a:ext cx="2314161" cy="842307"/>
+            <a:chOff x="9268238" y="1759226"/>
+            <a:chExt cx="2314161" cy="842307"/>
+          </a:xfrm>
+        </p:grpSpPr>
+        <p:sp>
+          <p:nvSpPr>
+            <p:cNvPr id="11" name="Rectangle 10">
+              <a:extLst>
+                <a:ext uri="{FF2B5EF4-FFF2-40B4-BE49-F238E27FC236}">
+                  <a16:creationId xmlns:a16="http://schemas.microsoft.com/office/drawing/2014/main" id="{F054FFCE-2D7E-4FD5-87B9-1F51AB84D35A}"/>
+                </a:ext>
+              </a:extLst>
+            </p:cNvPr>
+            <p:cNvSpPr/>
+            <p:nvPr/>
+          </p:nvSpPr>
+          <p:spPr>
+            <a:xfrm>
+              <a:off x="9268238" y="2194027"/>
+              <a:ext cx="2314161" cy="407506"/>
+            </a:xfrm>
+            <a:prstGeom prst="rect">
+              <a:avLst/>
+            </a:prstGeom>
+          </p:spPr>
+          <p:style>
+            <a:lnRef idx="1">
+              <a:schemeClr val="accent1"/>
+            </a:lnRef>
+            <a:fillRef idx="3">
+              <a:schemeClr val="accent1"/>
+            </a:fillRef>
+            <a:effectRef idx="2">
+              <a:schemeClr val="accent1"/>
+            </a:effectRef>
+            <a:fontRef idx="minor">
+              <a:schemeClr val="lt1"/>
+            </a:fontRef>
+          </p:style>
+          <p:txBody>
+            <a:bodyPr rtlCol="0" anchor="ctr"/>
+            <a:lstStyle/>
+            <a:p>
+              <a:r>
+                <a:rPr lang="de-DE" dirty="0"/>
+                <a:t>Header </a:t>
+              </a:r>
+              <a:r>
+                <a:rPr lang="de-DE" dirty="0" err="1"/>
+                <a:t>Html</a:t>
+              </a:r>
+              <a:r>
+                <a:rPr lang="de-DE" dirty="0"/>
+                <a:t> </a:t>
+              </a:r>
+              <a:r>
+                <a:rPr lang="de-DE" dirty="0" err="1"/>
+                <a:t>Section</a:t>
+              </a:r>
+              <a:endParaRPr lang="de-DE" dirty="0"/>
+            </a:p>
+          </p:txBody>
+        </p:sp>
+        <p:sp>
+          <p:nvSpPr>
+            <p:cNvPr id="13" name="TextBox 12">
+              <a:extLst>
+                <a:ext uri="{FF2B5EF4-FFF2-40B4-BE49-F238E27FC236}">
+                  <a16:creationId xmlns:a16="http://schemas.microsoft.com/office/drawing/2014/main" id="{825D217A-D9DC-4F97-A85A-246ED6263943}"/>
+                </a:ext>
+              </a:extLst>
+            </p:cNvPr>
+            <p:cNvSpPr txBox="1"/>
+            <p:nvPr/>
+          </p:nvSpPr>
+          <p:spPr>
+            <a:xfrm>
+              <a:off x="9405487" y="1759226"/>
+              <a:ext cx="2039661" cy="369332"/>
+            </a:xfrm>
+            <a:prstGeom prst="rect">
+              <a:avLst/>
+            </a:prstGeom>
+            <a:noFill/>
+          </p:spPr>
+          <p:txBody>
+            <a:bodyPr wrap="none" rtlCol="0">
+              <a:spAutoFit/>
+            </a:bodyPr>
+            <a:lstStyle/>
+            <a:p>
+              <a:r>
+                <a:rPr lang="de-DE" dirty="0"/>
+                <a:t>Header Partial View</a:t>
+              </a:r>
+              <a:endParaRPr lang="en-US" dirty="0"/>
+            </a:p>
+          </p:txBody>
+        </p:sp>
+      </p:grpSp>
+      <p:grpSp>
+        <p:nvGrpSpPr>
+          <p:cNvPr id="14" name="Group 13">
+            <a:extLst>
+              <a:ext uri="{FF2B5EF4-FFF2-40B4-BE49-F238E27FC236}">
+                <a16:creationId xmlns:a16="http://schemas.microsoft.com/office/drawing/2014/main" id="{354FCB91-AEBB-4769-BB09-0D47AE94AEE1}"/>
+              </a:ext>
+            </a:extLst>
+          </p:cNvPr>
+          <p:cNvGrpSpPr/>
+          <p:nvPr/>
+        </p:nvGrpSpPr>
+        <p:grpSpPr>
+          <a:xfrm>
+            <a:off x="9871923" y="1862416"/>
+            <a:ext cx="2314161" cy="842307"/>
+            <a:chOff x="9268238" y="1759226"/>
+            <a:chExt cx="2314161" cy="842307"/>
+          </a:xfrm>
+        </p:grpSpPr>
+        <p:sp>
+          <p:nvSpPr>
+            <p:cNvPr id="15" name="Rectangle 14">
+              <a:extLst>
+                <a:ext uri="{FF2B5EF4-FFF2-40B4-BE49-F238E27FC236}">
+                  <a16:creationId xmlns:a16="http://schemas.microsoft.com/office/drawing/2014/main" id="{4A2E9C8F-C9D5-4C1E-BAA8-0FE268677A4D}"/>
+                </a:ext>
+              </a:extLst>
+            </p:cNvPr>
+            <p:cNvSpPr/>
+            <p:nvPr/>
+          </p:nvSpPr>
+          <p:spPr>
+            <a:xfrm>
+              <a:off x="9268238" y="2194027"/>
+              <a:ext cx="2314161" cy="407506"/>
+            </a:xfrm>
+            <a:prstGeom prst="rect">
+              <a:avLst/>
+            </a:prstGeom>
+          </p:spPr>
+          <p:style>
+            <a:lnRef idx="1">
+              <a:schemeClr val="accent1"/>
+            </a:lnRef>
+            <a:fillRef idx="3">
+              <a:schemeClr val="accent1"/>
+            </a:fillRef>
+            <a:effectRef idx="2">
+              <a:schemeClr val="accent1"/>
+            </a:effectRef>
+            <a:fontRef idx="minor">
+              <a:schemeClr val="lt1"/>
+            </a:fontRef>
+          </p:style>
+          <p:txBody>
+            <a:bodyPr rtlCol="0" anchor="ctr"/>
+            <a:lstStyle/>
+            <a:p>
+              <a:r>
+                <a:rPr lang="de-DE" dirty="0"/>
+                <a:t>About </a:t>
+              </a:r>
+              <a:r>
+                <a:rPr lang="de-DE" dirty="0" err="1"/>
+                <a:t>Html</a:t>
+              </a:r>
+              <a:r>
+                <a:rPr lang="de-DE" dirty="0"/>
+                <a:t> </a:t>
+              </a:r>
+              <a:r>
+                <a:rPr lang="de-DE" dirty="0" err="1"/>
+                <a:t>Section</a:t>
+              </a:r>
+              <a:endParaRPr lang="de-DE" dirty="0"/>
+            </a:p>
+          </p:txBody>
+        </p:sp>
+        <p:sp>
+          <p:nvSpPr>
+            <p:cNvPr id="16" name="TextBox 15">
+              <a:extLst>
+                <a:ext uri="{FF2B5EF4-FFF2-40B4-BE49-F238E27FC236}">
+                  <a16:creationId xmlns:a16="http://schemas.microsoft.com/office/drawing/2014/main" id="{65662B60-C060-4472-8309-D809EA920132}"/>
+                </a:ext>
+              </a:extLst>
+            </p:cNvPr>
+            <p:cNvSpPr txBox="1"/>
+            <p:nvPr/>
+          </p:nvSpPr>
+          <p:spPr>
+            <a:xfrm>
+              <a:off x="9405487" y="1759226"/>
+              <a:ext cx="1927451" cy="369332"/>
+            </a:xfrm>
+            <a:prstGeom prst="rect">
+              <a:avLst/>
+            </a:prstGeom>
+            <a:noFill/>
+          </p:spPr>
+          <p:txBody>
+            <a:bodyPr wrap="none" rtlCol="0">
+              <a:spAutoFit/>
+            </a:bodyPr>
+            <a:lstStyle/>
+            <a:p>
+              <a:r>
+                <a:rPr lang="de-DE" dirty="0"/>
+                <a:t>About Partial View</a:t>
+              </a:r>
+              <a:endParaRPr lang="en-US" dirty="0"/>
+            </a:p>
+          </p:txBody>
+        </p:sp>
+      </p:grpSp>
+      <p:grpSp>
+        <p:nvGrpSpPr>
+          <p:cNvPr id="17" name="Group 16">
+            <a:extLst>
+              <a:ext uri="{FF2B5EF4-FFF2-40B4-BE49-F238E27FC236}">
+                <a16:creationId xmlns:a16="http://schemas.microsoft.com/office/drawing/2014/main" id="{CC76EA7F-4EA7-417B-9348-414D839C23E6}"/>
+              </a:ext>
+            </a:extLst>
+          </p:cNvPr>
+          <p:cNvGrpSpPr/>
+          <p:nvPr/>
+        </p:nvGrpSpPr>
+        <p:grpSpPr>
+          <a:xfrm>
+            <a:off x="9875235" y="2848045"/>
+            <a:ext cx="2314161" cy="842307"/>
+            <a:chOff x="9268238" y="1759226"/>
+            <a:chExt cx="2314161" cy="842307"/>
+          </a:xfrm>
+        </p:grpSpPr>
+        <p:sp>
+          <p:nvSpPr>
+            <p:cNvPr id="18" name="Rectangle 17">
+              <a:extLst>
+                <a:ext uri="{FF2B5EF4-FFF2-40B4-BE49-F238E27FC236}">
+                  <a16:creationId xmlns:a16="http://schemas.microsoft.com/office/drawing/2014/main" id="{E45D554C-5811-4C6C-896D-5499FAE3B55A}"/>
+                </a:ext>
+              </a:extLst>
+            </p:cNvPr>
+            <p:cNvSpPr/>
+            <p:nvPr/>
+          </p:nvSpPr>
+          <p:spPr>
+            <a:xfrm>
+              <a:off x="9268238" y="2194027"/>
+              <a:ext cx="2314161" cy="407506"/>
+            </a:xfrm>
+            <a:prstGeom prst="rect">
+              <a:avLst/>
+            </a:prstGeom>
+          </p:spPr>
+          <p:style>
+            <a:lnRef idx="1">
+              <a:schemeClr val="accent1"/>
+            </a:lnRef>
+            <a:fillRef idx="3">
+              <a:schemeClr val="accent1"/>
+            </a:fillRef>
+            <a:effectRef idx="2">
+              <a:schemeClr val="accent1"/>
+            </a:effectRef>
+            <a:fontRef idx="minor">
+              <a:schemeClr val="lt1"/>
+            </a:fontRef>
+          </p:style>
+          <p:txBody>
+            <a:bodyPr rtlCol="0" anchor="ctr"/>
+            <a:lstStyle/>
+            <a:p>
+              <a:r>
+                <a:rPr lang="de-DE" dirty="0"/>
+                <a:t>Services </a:t>
+              </a:r>
+              <a:r>
+                <a:rPr lang="de-DE" dirty="0" err="1"/>
+                <a:t>Html</a:t>
+              </a:r>
+              <a:r>
+                <a:rPr lang="de-DE" dirty="0"/>
+                <a:t> </a:t>
+              </a:r>
+              <a:r>
+                <a:rPr lang="de-DE" dirty="0" err="1"/>
+                <a:t>Section</a:t>
+              </a:r>
+              <a:endParaRPr lang="de-DE" dirty="0"/>
+            </a:p>
+          </p:txBody>
+        </p:sp>
+        <p:sp>
+          <p:nvSpPr>
+            <p:cNvPr id="19" name="TextBox 18">
+              <a:extLst>
+                <a:ext uri="{FF2B5EF4-FFF2-40B4-BE49-F238E27FC236}">
+                  <a16:creationId xmlns:a16="http://schemas.microsoft.com/office/drawing/2014/main" id="{9619BE80-7988-4D49-AFB8-AF7456B557C9}"/>
+                </a:ext>
+              </a:extLst>
+            </p:cNvPr>
+            <p:cNvSpPr txBox="1"/>
+            <p:nvPr/>
+          </p:nvSpPr>
+          <p:spPr>
+            <a:xfrm>
+              <a:off x="9405487" y="1759226"/>
+              <a:ext cx="2115516" cy="369332"/>
+            </a:xfrm>
+            <a:prstGeom prst="rect">
+              <a:avLst/>
+            </a:prstGeom>
+            <a:noFill/>
+          </p:spPr>
+          <p:txBody>
+            <a:bodyPr wrap="none" rtlCol="0">
+              <a:spAutoFit/>
+            </a:bodyPr>
+            <a:lstStyle/>
+            <a:p>
+              <a:r>
+                <a:rPr lang="de-DE" dirty="0"/>
+                <a:t>Services Partial View</a:t>
+              </a:r>
+              <a:endParaRPr lang="en-US" dirty="0"/>
+            </a:p>
+          </p:txBody>
+        </p:sp>
+      </p:grpSp>
+      <p:grpSp>
+        <p:nvGrpSpPr>
+          <p:cNvPr id="20" name="Group 19">
+            <a:extLst>
+              <a:ext uri="{FF2B5EF4-FFF2-40B4-BE49-F238E27FC236}">
+                <a16:creationId xmlns:a16="http://schemas.microsoft.com/office/drawing/2014/main" id="{E725F495-36BA-40DC-9B3B-89B22054D66A}"/>
+              </a:ext>
+            </a:extLst>
+          </p:cNvPr>
+          <p:cNvGrpSpPr/>
+          <p:nvPr/>
+        </p:nvGrpSpPr>
+        <p:grpSpPr>
+          <a:xfrm>
+            <a:off x="9913161" y="3860969"/>
+            <a:ext cx="2314161" cy="842307"/>
+            <a:chOff x="9268238" y="1759226"/>
+            <a:chExt cx="2314161" cy="842307"/>
+          </a:xfrm>
+        </p:grpSpPr>
+        <p:sp>
+          <p:nvSpPr>
+            <p:cNvPr id="21" name="Rectangle 20">
+              <a:extLst>
+                <a:ext uri="{FF2B5EF4-FFF2-40B4-BE49-F238E27FC236}">
+                  <a16:creationId xmlns:a16="http://schemas.microsoft.com/office/drawing/2014/main" id="{F56EA891-9DC0-4A3E-9EE7-7C441B4B2501}"/>
+                </a:ext>
+              </a:extLst>
+            </p:cNvPr>
+            <p:cNvSpPr/>
+            <p:nvPr/>
+          </p:nvSpPr>
+          <p:spPr>
+            <a:xfrm>
+              <a:off x="9268238" y="2194027"/>
+              <a:ext cx="2314161" cy="407506"/>
+            </a:xfrm>
+            <a:prstGeom prst="rect">
+              <a:avLst/>
+            </a:prstGeom>
+          </p:spPr>
+          <p:style>
+            <a:lnRef idx="1">
+              <a:schemeClr val="accent1"/>
+            </a:lnRef>
+            <a:fillRef idx="3">
+              <a:schemeClr val="accent1"/>
+            </a:fillRef>
+            <a:effectRef idx="2">
+              <a:schemeClr val="accent1"/>
+            </a:effectRef>
+            <a:fontRef idx="minor">
+              <a:schemeClr val="lt1"/>
+            </a:fontRef>
+          </p:style>
+          <p:txBody>
+            <a:bodyPr rtlCol="0" anchor="ctr"/>
+            <a:lstStyle/>
+            <a:p>
+              <a:r>
+                <a:rPr lang="de-DE" dirty="0"/>
+                <a:t>Services </a:t>
+              </a:r>
+              <a:r>
+                <a:rPr lang="de-DE" dirty="0" err="1"/>
+                <a:t>Html</a:t>
+              </a:r>
+              <a:r>
+                <a:rPr lang="de-DE" dirty="0"/>
+                <a:t> </a:t>
+              </a:r>
+              <a:r>
+                <a:rPr lang="de-DE" dirty="0" err="1"/>
+                <a:t>Section</a:t>
+              </a:r>
+              <a:endParaRPr lang="de-DE" dirty="0"/>
+            </a:p>
+          </p:txBody>
+        </p:sp>
+        <p:sp>
+          <p:nvSpPr>
+            <p:cNvPr id="22" name="TextBox 21">
+              <a:extLst>
+                <a:ext uri="{FF2B5EF4-FFF2-40B4-BE49-F238E27FC236}">
+                  <a16:creationId xmlns:a16="http://schemas.microsoft.com/office/drawing/2014/main" id="{DEAB17ED-95C2-40F8-B02F-7CE6828AC125}"/>
+                </a:ext>
+              </a:extLst>
+            </p:cNvPr>
+            <p:cNvSpPr txBox="1"/>
+            <p:nvPr/>
+          </p:nvSpPr>
+          <p:spPr>
+            <a:xfrm>
+              <a:off x="9405487" y="1759226"/>
+              <a:ext cx="2160015" cy="369332"/>
+            </a:xfrm>
+            <a:prstGeom prst="rect">
+              <a:avLst/>
+            </a:prstGeom>
+            <a:noFill/>
+          </p:spPr>
+          <p:txBody>
+            <a:bodyPr wrap="none" rtlCol="0">
+              <a:spAutoFit/>
+            </a:bodyPr>
+            <a:lstStyle/>
+            <a:p>
+              <a:r>
+                <a:rPr lang="de-DE" dirty="0"/>
+                <a:t>Portfolio Partial View</a:t>
+              </a:r>
+              <a:endParaRPr lang="en-US" dirty="0"/>
+            </a:p>
+          </p:txBody>
+        </p:sp>
+      </p:grpSp>
+      <p:sp>
+        <p:nvSpPr>
+          <p:cNvPr id="23" name="Rectangle 22">
+            <a:extLst>
+              <a:ext uri="{FF2B5EF4-FFF2-40B4-BE49-F238E27FC236}">
+                <a16:creationId xmlns:a16="http://schemas.microsoft.com/office/drawing/2014/main" id="{2401376D-33BF-4F3B-89CC-55CF768DB09E}"/>
+              </a:ext>
+            </a:extLst>
+          </p:cNvPr>
+          <p:cNvSpPr/>
+          <p:nvPr/>
+        </p:nvSpPr>
+        <p:spPr>
+          <a:xfrm>
+            <a:off x="4211499" y="2198412"/>
+            <a:ext cx="2314161" cy="500271"/>
+          </a:xfrm>
+          <a:prstGeom prst="rect">
+            <a:avLst/>
+          </a:prstGeom>
+          <a:noFill/>
+          <a:ln>
+            <a:solidFill>
+              <a:schemeClr val="tx1"/>
+            </a:solidFill>
+          </a:ln>
+        </p:spPr>
+        <p:style>
+          <a:lnRef idx="2">
+            <a:schemeClr val="accent1">
+              <a:shade val="50000"/>
+            </a:schemeClr>
+          </a:lnRef>
+          <a:fillRef idx="1">
+            <a:schemeClr val="accent1"/>
+          </a:fillRef>
+          <a:effectRef idx="0">
+            <a:schemeClr val="accent1"/>
+          </a:effectRef>
+          <a:fontRef idx="minor">
+            <a:schemeClr val="lt1"/>
+          </a:fontRef>
+        </p:style>
+        <p:txBody>
+          <a:bodyPr rtlCol="0" anchor="ctr"/>
+          <a:lstStyle/>
+          <a:p>
+            <a:pPr algn="ctr"/>
+            <a:endParaRPr lang="en-US"/>
+          </a:p>
+        </p:txBody>
+      </p:sp>
+      <p:sp>
+        <p:nvSpPr>
+          <p:cNvPr id="24" name="Rectangle 23">
+            <a:extLst>
+              <a:ext uri="{FF2B5EF4-FFF2-40B4-BE49-F238E27FC236}">
+                <a16:creationId xmlns:a16="http://schemas.microsoft.com/office/drawing/2014/main" id="{6F6BCA2B-4E2F-4C79-9699-64FF81F66C7E}"/>
+              </a:ext>
+            </a:extLst>
+          </p:cNvPr>
+          <p:cNvSpPr/>
+          <p:nvPr/>
+        </p:nvSpPr>
+        <p:spPr>
+          <a:xfrm>
+            <a:off x="6943077" y="2769272"/>
+            <a:ext cx="2314161" cy="500271"/>
+          </a:xfrm>
+          <a:prstGeom prst="rect">
+            <a:avLst/>
+          </a:prstGeom>
+          <a:noFill/>
+          <a:ln>
+            <a:solidFill>
+              <a:schemeClr val="tx1"/>
+            </a:solidFill>
+          </a:ln>
+        </p:spPr>
+        <p:style>
+          <a:lnRef idx="2">
+            <a:schemeClr val="accent1">
+              <a:shade val="50000"/>
+            </a:schemeClr>
+          </a:lnRef>
+          <a:fillRef idx="1">
+            <a:schemeClr val="accent1"/>
+          </a:fillRef>
+          <a:effectRef idx="0">
+            <a:schemeClr val="accent1"/>
+          </a:effectRef>
+          <a:fontRef idx="minor">
+            <a:schemeClr val="lt1"/>
+          </a:fontRef>
+        </p:style>
+        <p:txBody>
+          <a:bodyPr rtlCol="0" anchor="ctr"/>
+          <a:lstStyle/>
+          <a:p>
+            <a:pPr algn="ctr"/>
+            <a:endParaRPr lang="en-US"/>
+          </a:p>
+        </p:txBody>
+      </p:sp>
+      <p:sp>
+        <p:nvSpPr>
+          <p:cNvPr id="25" name="Rectangle 24">
+            <a:extLst>
+              <a:ext uri="{FF2B5EF4-FFF2-40B4-BE49-F238E27FC236}">
+                <a16:creationId xmlns:a16="http://schemas.microsoft.com/office/drawing/2014/main" id="{BB889564-3C6E-45FF-A308-F3468AC54EE7}"/>
+              </a:ext>
+            </a:extLst>
+          </p:cNvPr>
+          <p:cNvSpPr/>
+          <p:nvPr/>
+        </p:nvSpPr>
+        <p:spPr>
+          <a:xfrm>
+            <a:off x="6943077" y="3332164"/>
+            <a:ext cx="2314161" cy="500271"/>
+          </a:xfrm>
+          <a:prstGeom prst="rect">
+            <a:avLst/>
+          </a:prstGeom>
+          <a:noFill/>
+          <a:ln>
+            <a:solidFill>
+              <a:schemeClr val="tx1"/>
+            </a:solidFill>
+          </a:ln>
+        </p:spPr>
+        <p:style>
+          <a:lnRef idx="2">
+            <a:schemeClr val="accent1">
+              <a:shade val="50000"/>
+            </a:schemeClr>
+          </a:lnRef>
+          <a:fillRef idx="1">
+            <a:schemeClr val="accent1"/>
+          </a:fillRef>
+          <a:effectRef idx="0">
+            <a:schemeClr val="accent1"/>
+          </a:effectRef>
+          <a:fontRef idx="minor">
+            <a:schemeClr val="lt1"/>
+          </a:fontRef>
+        </p:style>
+        <p:txBody>
+          <a:bodyPr rtlCol="0" anchor="ctr"/>
+          <a:lstStyle/>
+          <a:p>
+            <a:pPr algn="ctr"/>
+            <a:endParaRPr lang="en-US"/>
+          </a:p>
+        </p:txBody>
+      </p:sp>
+      <p:sp>
+        <p:nvSpPr>
+          <p:cNvPr id="26" name="Rectangle 25">
+            <a:extLst>
+              <a:ext uri="{FF2B5EF4-FFF2-40B4-BE49-F238E27FC236}">
+                <a16:creationId xmlns:a16="http://schemas.microsoft.com/office/drawing/2014/main" id="{63025084-FA51-4B3D-B8F5-3CC32EEA45EA}"/>
+              </a:ext>
+            </a:extLst>
+          </p:cNvPr>
+          <p:cNvSpPr/>
+          <p:nvPr/>
+        </p:nvSpPr>
+        <p:spPr>
+          <a:xfrm>
+            <a:off x="6937653" y="3885583"/>
+            <a:ext cx="2314161" cy="500271"/>
+          </a:xfrm>
+          <a:prstGeom prst="rect">
+            <a:avLst/>
+          </a:prstGeom>
+          <a:noFill/>
+          <a:ln>
+            <a:solidFill>
+              <a:schemeClr val="tx1"/>
+            </a:solidFill>
+          </a:ln>
+        </p:spPr>
+        <p:style>
+          <a:lnRef idx="2">
+            <a:schemeClr val="accent1">
+              <a:shade val="50000"/>
+            </a:schemeClr>
+          </a:lnRef>
+          <a:fillRef idx="1">
+            <a:schemeClr val="accent1"/>
+          </a:fillRef>
+          <a:effectRef idx="0">
+            <a:schemeClr val="accent1"/>
+          </a:effectRef>
+          <a:fontRef idx="minor">
+            <a:schemeClr val="lt1"/>
+          </a:fontRef>
+        </p:style>
+        <p:txBody>
+          <a:bodyPr rtlCol="0" anchor="ctr"/>
+          <a:lstStyle/>
+          <a:p>
+            <a:pPr algn="ctr"/>
+            <a:endParaRPr lang="en-US"/>
+          </a:p>
+        </p:txBody>
+      </p:sp>
+      <p:cxnSp>
+        <p:nvCxnSpPr>
+          <p:cNvPr id="27" name="Straight Connector 26">
+            <a:extLst>
+              <a:ext uri="{FF2B5EF4-FFF2-40B4-BE49-F238E27FC236}">
+                <a16:creationId xmlns:a16="http://schemas.microsoft.com/office/drawing/2014/main" id="{CC8A1BDE-FA01-426F-BDD2-EF906816F43F}"/>
+              </a:ext>
+            </a:extLst>
+          </p:cNvPr>
+          <p:cNvCxnSpPr>
+            <a:cxnSpLocks/>
+          </p:cNvCxnSpPr>
+          <p:nvPr/>
+        </p:nvCxnSpPr>
+        <p:spPr>
+          <a:xfrm flipV="1">
+            <a:off x="6241566" y="1892785"/>
+            <a:ext cx="700712" cy="299871"/>
+          </a:xfrm>
+          <a:prstGeom prst="line">
+            <a:avLst/>
+          </a:prstGeom>
+        </p:spPr>
+        <p:style>
+          <a:lnRef idx="1">
+            <a:schemeClr val="accent1"/>
+          </a:lnRef>
+          <a:fillRef idx="0">
+            <a:schemeClr val="accent1"/>
+          </a:fillRef>
+          <a:effectRef idx="0">
+            <a:schemeClr val="accent1"/>
+          </a:effectRef>
+          <a:fontRef idx="minor">
+            <a:schemeClr val="tx1"/>
+          </a:fontRef>
+        </p:style>
+      </p:cxnSp>
+      <p:cxnSp>
+        <p:nvCxnSpPr>
+          <p:cNvPr id="29" name="Straight Connector 28">
+            <a:extLst>
+              <a:ext uri="{FF2B5EF4-FFF2-40B4-BE49-F238E27FC236}">
+                <a16:creationId xmlns:a16="http://schemas.microsoft.com/office/drawing/2014/main" id="{92E0A8C9-A49D-4DAA-B0C2-D9946A68B7CE}"/>
+              </a:ext>
+            </a:extLst>
+          </p:cNvPr>
+          <p:cNvCxnSpPr>
+            <a:cxnSpLocks/>
+          </p:cNvCxnSpPr>
+          <p:nvPr/>
+        </p:nvCxnSpPr>
+        <p:spPr>
+          <a:xfrm flipV="1">
+            <a:off x="6241566" y="2311852"/>
+            <a:ext cx="700711" cy="356528"/>
+          </a:xfrm>
+          <a:prstGeom prst="line">
+            <a:avLst/>
+          </a:prstGeom>
+        </p:spPr>
+        <p:style>
+          <a:lnRef idx="1">
+            <a:schemeClr val="accent1"/>
+          </a:lnRef>
+          <a:fillRef idx="0">
+            <a:schemeClr val="accent1"/>
+          </a:fillRef>
+          <a:effectRef idx="0">
+            <a:schemeClr val="accent1"/>
+          </a:effectRef>
+          <a:fontRef idx="minor">
+            <a:schemeClr val="tx1"/>
+          </a:fontRef>
+        </p:style>
+      </p:cxnSp>
+      <p:cxnSp>
+        <p:nvCxnSpPr>
+          <p:cNvPr id="32" name="Straight Connector 31">
+            <a:extLst>
+              <a:ext uri="{FF2B5EF4-FFF2-40B4-BE49-F238E27FC236}">
+                <a16:creationId xmlns:a16="http://schemas.microsoft.com/office/drawing/2014/main" id="{559AE012-07FF-4CA8-9396-E9B93DA65DD4}"/>
+              </a:ext>
+            </a:extLst>
+          </p:cNvPr>
+          <p:cNvCxnSpPr>
+            <a:cxnSpLocks/>
+          </p:cNvCxnSpPr>
+          <p:nvPr/>
+        </p:nvCxnSpPr>
+        <p:spPr>
+          <a:xfrm flipV="1">
+            <a:off x="6515344" y="2759792"/>
+            <a:ext cx="426933" cy="68231"/>
+          </a:xfrm>
+          <a:prstGeom prst="line">
+            <a:avLst/>
+          </a:prstGeom>
+        </p:spPr>
+        <p:style>
+          <a:lnRef idx="1">
+            <a:schemeClr val="accent1"/>
+          </a:lnRef>
+          <a:fillRef idx="0">
+            <a:schemeClr val="accent1"/>
+          </a:fillRef>
+          <a:effectRef idx="0">
+            <a:schemeClr val="accent1"/>
+          </a:effectRef>
+          <a:fontRef idx="minor">
+            <a:schemeClr val="tx1"/>
+          </a:fontRef>
+        </p:style>
+      </p:cxnSp>
+      <p:cxnSp>
+        <p:nvCxnSpPr>
+          <p:cNvPr id="35" name="Straight Connector 34">
+            <a:extLst>
+              <a:ext uri="{FF2B5EF4-FFF2-40B4-BE49-F238E27FC236}">
+                <a16:creationId xmlns:a16="http://schemas.microsoft.com/office/drawing/2014/main" id="{8FADEF86-3AEF-42A1-B94F-6E663B8A8955}"/>
+              </a:ext>
+            </a:extLst>
+          </p:cNvPr>
+          <p:cNvCxnSpPr>
+            <a:cxnSpLocks/>
+          </p:cNvCxnSpPr>
+          <p:nvPr/>
+        </p:nvCxnSpPr>
+        <p:spPr>
+          <a:xfrm>
+            <a:off x="6525660" y="4375874"/>
+            <a:ext cx="416617" cy="53148"/>
+          </a:xfrm>
+          <a:prstGeom prst="line">
+            <a:avLst/>
+          </a:prstGeom>
+        </p:spPr>
+        <p:style>
+          <a:lnRef idx="1">
+            <a:schemeClr val="accent1"/>
+          </a:lnRef>
+          <a:fillRef idx="0">
+            <a:schemeClr val="accent1"/>
+          </a:fillRef>
+          <a:effectRef idx="0">
+            <a:schemeClr val="accent1"/>
+          </a:effectRef>
+          <a:fontRef idx="minor">
+            <a:schemeClr val="tx1"/>
+          </a:fontRef>
+        </p:style>
+      </p:cxnSp>
+      <p:cxnSp>
+        <p:nvCxnSpPr>
+          <p:cNvPr id="38" name="Straight Connector 37">
+            <a:extLst>
+              <a:ext uri="{FF2B5EF4-FFF2-40B4-BE49-F238E27FC236}">
+                <a16:creationId xmlns:a16="http://schemas.microsoft.com/office/drawing/2014/main" id="{AB47F39B-A3F2-4015-8012-D70F4B3969C6}"/>
+              </a:ext>
+            </a:extLst>
+          </p:cNvPr>
+          <p:cNvCxnSpPr>
+            <a:cxnSpLocks/>
+          </p:cNvCxnSpPr>
+          <p:nvPr/>
+        </p:nvCxnSpPr>
+        <p:spPr>
+          <a:xfrm flipV="1">
+            <a:off x="9251815" y="2297216"/>
+            <a:ext cx="623420" cy="468913"/>
+          </a:xfrm>
+          <a:prstGeom prst="line">
+            <a:avLst/>
+          </a:prstGeom>
+        </p:spPr>
+        <p:style>
+          <a:lnRef idx="1">
+            <a:schemeClr val="accent1"/>
+          </a:lnRef>
+          <a:fillRef idx="0">
+            <a:schemeClr val="accent1"/>
+          </a:fillRef>
+          <a:effectRef idx="0">
+            <a:schemeClr val="accent1"/>
+          </a:effectRef>
+          <a:fontRef idx="minor">
+            <a:schemeClr val="tx1"/>
+          </a:fontRef>
+        </p:style>
+      </p:cxnSp>
+      <p:cxnSp>
+        <p:nvCxnSpPr>
+          <p:cNvPr id="44" name="Straight Connector 43">
+            <a:extLst>
+              <a:ext uri="{FF2B5EF4-FFF2-40B4-BE49-F238E27FC236}">
+                <a16:creationId xmlns:a16="http://schemas.microsoft.com/office/drawing/2014/main" id="{48CE57C8-5394-48F6-87DA-930045A165DA}"/>
+              </a:ext>
+            </a:extLst>
+          </p:cNvPr>
+          <p:cNvCxnSpPr>
+            <a:cxnSpLocks/>
+          </p:cNvCxnSpPr>
+          <p:nvPr/>
+        </p:nvCxnSpPr>
+        <p:spPr>
+          <a:xfrm flipV="1">
+            <a:off x="9251814" y="2698683"/>
+            <a:ext cx="661347" cy="570860"/>
+          </a:xfrm>
+          <a:prstGeom prst="line">
+            <a:avLst/>
+          </a:prstGeom>
+        </p:spPr>
+        <p:style>
+          <a:lnRef idx="1">
+            <a:schemeClr val="accent1"/>
+          </a:lnRef>
+          <a:fillRef idx="0">
+            <a:schemeClr val="accent1"/>
+          </a:fillRef>
+          <a:effectRef idx="0">
+            <a:schemeClr val="accent1"/>
+          </a:effectRef>
+          <a:fontRef idx="minor">
+            <a:schemeClr val="tx1"/>
+          </a:fontRef>
+        </p:style>
+      </p:cxnSp>
+      <p:cxnSp>
+        <p:nvCxnSpPr>
+          <p:cNvPr id="47" name="Straight Connector 46">
+            <a:extLst>
+              <a:ext uri="{FF2B5EF4-FFF2-40B4-BE49-F238E27FC236}">
+                <a16:creationId xmlns:a16="http://schemas.microsoft.com/office/drawing/2014/main" id="{5D7C266A-507E-4DA8-9C3D-2A1FF16EEDB3}"/>
+              </a:ext>
+            </a:extLst>
+          </p:cNvPr>
+          <p:cNvCxnSpPr>
+            <a:cxnSpLocks/>
+          </p:cNvCxnSpPr>
+          <p:nvPr/>
+        </p:nvCxnSpPr>
+        <p:spPr>
+          <a:xfrm flipV="1">
+            <a:off x="9251814" y="3310085"/>
+            <a:ext cx="623421" cy="12606"/>
+          </a:xfrm>
+          <a:prstGeom prst="line">
+            <a:avLst/>
+          </a:prstGeom>
+        </p:spPr>
+        <p:style>
+          <a:lnRef idx="1">
+            <a:schemeClr val="accent1"/>
+          </a:lnRef>
+          <a:fillRef idx="0">
+            <a:schemeClr val="accent1"/>
+          </a:fillRef>
+          <a:effectRef idx="0">
+            <a:schemeClr val="accent1"/>
+          </a:effectRef>
+          <a:fontRef idx="minor">
+            <a:schemeClr val="tx1"/>
+          </a:fontRef>
+        </p:style>
+      </p:cxnSp>
+      <p:cxnSp>
+        <p:nvCxnSpPr>
+          <p:cNvPr id="50" name="Straight Connector 49">
+            <a:extLst>
+              <a:ext uri="{FF2B5EF4-FFF2-40B4-BE49-F238E27FC236}">
+                <a16:creationId xmlns:a16="http://schemas.microsoft.com/office/drawing/2014/main" id="{3689C122-43C4-4CF8-AD0C-4A06A05ABE7C}"/>
+              </a:ext>
+            </a:extLst>
+          </p:cNvPr>
+          <p:cNvCxnSpPr>
+            <a:cxnSpLocks/>
+          </p:cNvCxnSpPr>
+          <p:nvPr/>
+        </p:nvCxnSpPr>
+        <p:spPr>
+          <a:xfrm flipV="1">
+            <a:off x="9251014" y="3690352"/>
+            <a:ext cx="620909" cy="107399"/>
+          </a:xfrm>
+          <a:prstGeom prst="line">
+            <a:avLst/>
+          </a:prstGeom>
+        </p:spPr>
+        <p:style>
+          <a:lnRef idx="1">
+            <a:schemeClr val="accent1"/>
+          </a:lnRef>
+          <a:fillRef idx="0">
+            <a:schemeClr val="accent1"/>
+          </a:fillRef>
+          <a:effectRef idx="0">
+            <a:schemeClr val="accent1"/>
+          </a:effectRef>
+          <a:fontRef idx="minor">
+            <a:schemeClr val="tx1"/>
+          </a:fontRef>
+        </p:style>
+      </p:cxnSp>
+      <p:sp>
+        <p:nvSpPr>
+          <p:cNvPr id="34" name="Rectangle 33">
+            <a:extLst>
+              <a:ext uri="{FF2B5EF4-FFF2-40B4-BE49-F238E27FC236}">
+                <a16:creationId xmlns:a16="http://schemas.microsoft.com/office/drawing/2014/main" id="{BB72DBF2-10BC-45D5-BA9D-6D79F9EE951B}"/>
+              </a:ext>
+            </a:extLst>
+          </p:cNvPr>
+          <p:cNvSpPr/>
+          <p:nvPr/>
+        </p:nvSpPr>
+        <p:spPr>
+          <a:xfrm>
+            <a:off x="4213346" y="2822413"/>
+            <a:ext cx="2314161" cy="1553461"/>
+          </a:xfrm>
+          <a:prstGeom prst="rect">
+            <a:avLst/>
+          </a:prstGeom>
+          <a:noFill/>
+          <a:ln>
+            <a:solidFill>
+              <a:schemeClr val="tx1"/>
+            </a:solidFill>
+          </a:ln>
+        </p:spPr>
+        <p:style>
+          <a:lnRef idx="2">
+            <a:schemeClr val="accent1">
+              <a:shade val="50000"/>
+            </a:schemeClr>
+          </a:lnRef>
+          <a:fillRef idx="1">
+            <a:schemeClr val="accent1"/>
+          </a:fillRef>
+          <a:effectRef idx="0">
+            <a:schemeClr val="accent1"/>
+          </a:effectRef>
+          <a:fontRef idx="minor">
+            <a:schemeClr val="lt1"/>
+          </a:fontRef>
+        </p:style>
+        <p:txBody>
+          <a:bodyPr rtlCol="0" anchor="ctr"/>
+          <a:lstStyle/>
+          <a:p>
+            <a:pPr algn="ctr"/>
+            <a:endParaRPr lang="en-US"/>
+          </a:p>
+        </p:txBody>
+      </p:sp>
+      <p:sp>
+        <p:nvSpPr>
+          <p:cNvPr id="36" name="TextBox 35">
+            <a:extLst>
+              <a:ext uri="{FF2B5EF4-FFF2-40B4-BE49-F238E27FC236}">
+                <a16:creationId xmlns:a16="http://schemas.microsoft.com/office/drawing/2014/main" id="{87AA72EB-204A-4F2F-8995-070D9A0EE8EE}"/>
+              </a:ext>
+            </a:extLst>
+          </p:cNvPr>
+          <p:cNvSpPr txBox="1"/>
+          <p:nvPr/>
+        </p:nvSpPr>
+        <p:spPr>
+          <a:xfrm>
+            <a:off x="7028905" y="2396797"/>
+            <a:ext cx="2103461" cy="369332"/>
+          </a:xfrm>
+          <a:prstGeom prst="rect">
+            <a:avLst/>
+          </a:prstGeom>
+          <a:noFill/>
+        </p:spPr>
+        <p:txBody>
+          <a:bodyPr wrap="none" rtlCol="0">
+            <a:spAutoFit/>
+          </a:bodyPr>
+          <a:lstStyle/>
+          <a:p>
+            <a:r>
+              <a:rPr lang="de-DE" dirty="0"/>
+              <a:t>Content Partial View</a:t>
+            </a:r>
+            <a:endParaRPr lang="en-US" dirty="0"/>
+          </a:p>
+        </p:txBody>
+      </p:sp>
+      <p:cxnSp>
+        <p:nvCxnSpPr>
+          <p:cNvPr id="51" name="Straight Connector 50">
+            <a:extLst>
+              <a:ext uri="{FF2B5EF4-FFF2-40B4-BE49-F238E27FC236}">
+                <a16:creationId xmlns:a16="http://schemas.microsoft.com/office/drawing/2014/main" id="{3BBFF1E0-3058-4210-86F1-4A8C6E236EB2}"/>
+              </a:ext>
+            </a:extLst>
+          </p:cNvPr>
+          <p:cNvCxnSpPr>
+            <a:cxnSpLocks/>
+          </p:cNvCxnSpPr>
+          <p:nvPr/>
+        </p:nvCxnSpPr>
+        <p:spPr>
+          <a:xfrm>
+            <a:off x="9265974" y="3913136"/>
+            <a:ext cx="605949" cy="382634"/>
+          </a:xfrm>
+          <a:prstGeom prst="line">
+            <a:avLst/>
+          </a:prstGeom>
+        </p:spPr>
+        <p:style>
+          <a:lnRef idx="1">
+            <a:schemeClr val="accent1"/>
+          </a:lnRef>
+          <a:fillRef idx="0">
+            <a:schemeClr val="accent1"/>
+          </a:fillRef>
+          <a:effectRef idx="0">
+            <a:schemeClr val="accent1"/>
+          </a:effectRef>
+          <a:fontRef idx="minor">
+            <a:schemeClr val="tx1"/>
+          </a:fontRef>
+        </p:style>
+      </p:cxnSp>
+      <p:cxnSp>
+        <p:nvCxnSpPr>
+          <p:cNvPr id="53" name="Straight Connector 52">
+            <a:extLst>
+              <a:ext uri="{FF2B5EF4-FFF2-40B4-BE49-F238E27FC236}">
+                <a16:creationId xmlns:a16="http://schemas.microsoft.com/office/drawing/2014/main" id="{635E75A1-A829-4628-9C69-1C49BE6D8B38}"/>
+              </a:ext>
+            </a:extLst>
+          </p:cNvPr>
+          <p:cNvCxnSpPr>
+            <a:cxnSpLocks/>
+          </p:cNvCxnSpPr>
+          <p:nvPr/>
+        </p:nvCxnSpPr>
+        <p:spPr>
+          <a:xfrm>
+            <a:off x="9278137" y="4385854"/>
+            <a:ext cx="593786" cy="317422"/>
+          </a:xfrm>
+          <a:prstGeom prst="line">
+            <a:avLst/>
+          </a:prstGeom>
+        </p:spPr>
+        <p:style>
+          <a:lnRef idx="1">
+            <a:schemeClr val="accent1"/>
+          </a:lnRef>
+          <a:fillRef idx="0">
+            <a:schemeClr val="accent1"/>
+          </a:fillRef>
+          <a:effectRef idx="0">
+            <a:schemeClr val="accent1"/>
+          </a:effectRef>
+          <a:fontRef idx="minor">
+            <a:schemeClr val="tx1"/>
+          </a:fontRef>
+        </p:style>
+      </p:cxnSp>
+      <p:sp>
+        <p:nvSpPr>
+          <p:cNvPr id="2" name="TextBox 1">
+            <a:extLst>
+              <a:ext uri="{FF2B5EF4-FFF2-40B4-BE49-F238E27FC236}">
+                <a16:creationId xmlns:a16="http://schemas.microsoft.com/office/drawing/2014/main" id="{5CAB1243-242C-4DA2-B410-670FBDC3D046}"/>
+              </a:ext>
+            </a:extLst>
+          </p:cNvPr>
+          <p:cNvSpPr txBox="1"/>
+          <p:nvPr/>
+        </p:nvSpPr>
+        <p:spPr>
+          <a:xfrm>
+            <a:off x="2293246" y="2351201"/>
+            <a:ext cx="756938" cy="1446550"/>
+          </a:xfrm>
+          <a:prstGeom prst="rect">
+            <a:avLst/>
+          </a:prstGeom>
+          <a:noFill/>
+        </p:spPr>
+        <p:txBody>
+          <a:bodyPr wrap="none" rtlCol="0">
+            <a:spAutoFit/>
+          </a:bodyPr>
+          <a:lstStyle/>
+          <a:p>
+            <a:r>
+              <a:rPr lang="de-DE" sz="8800" dirty="0">
+                <a:solidFill>
+                  <a:srgbClr val="FF0000"/>
+                </a:solidFill>
+              </a:rPr>
+              <a:t>1</a:t>
+            </a:r>
+            <a:endParaRPr lang="en-US" sz="8800" dirty="0">
+              <a:solidFill>
+                <a:srgbClr val="FF0000"/>
+              </a:solidFill>
+            </a:endParaRPr>
+          </a:p>
+        </p:txBody>
+      </p:sp>
+      <p:sp>
+        <p:nvSpPr>
+          <p:cNvPr id="39" name="TextBox 38">
+            <a:extLst>
+              <a:ext uri="{FF2B5EF4-FFF2-40B4-BE49-F238E27FC236}">
+                <a16:creationId xmlns:a16="http://schemas.microsoft.com/office/drawing/2014/main" id="{35FE1881-272A-41A2-949F-E9F6E46FAAC2}"/>
+              </a:ext>
+            </a:extLst>
+          </p:cNvPr>
+          <p:cNvSpPr txBox="1"/>
+          <p:nvPr/>
+        </p:nvSpPr>
+        <p:spPr>
+          <a:xfrm>
+            <a:off x="7637305" y="473720"/>
+            <a:ext cx="756938" cy="1446550"/>
+          </a:xfrm>
+          <a:prstGeom prst="rect">
+            <a:avLst/>
+          </a:prstGeom>
+          <a:noFill/>
+        </p:spPr>
+        <p:txBody>
+          <a:bodyPr wrap="none" rtlCol="0">
+            <a:spAutoFit/>
+          </a:bodyPr>
+          <a:lstStyle/>
+          <a:p>
+            <a:r>
+              <a:rPr lang="de-DE" sz="8800" dirty="0">
+                <a:solidFill>
+                  <a:srgbClr val="FF0000"/>
+                </a:solidFill>
+              </a:rPr>
+              <a:t>2</a:t>
+            </a:r>
+            <a:endParaRPr lang="en-US" sz="8800" dirty="0">
+              <a:solidFill>
+                <a:srgbClr val="FF0000"/>
+              </a:solidFill>
+            </a:endParaRPr>
+          </a:p>
+        </p:txBody>
+      </p:sp>
+      <p:sp>
+        <p:nvSpPr>
+          <p:cNvPr id="40" name="TextBox 39">
+            <a:extLst>
+              <a:ext uri="{FF2B5EF4-FFF2-40B4-BE49-F238E27FC236}">
+                <a16:creationId xmlns:a16="http://schemas.microsoft.com/office/drawing/2014/main" id="{28E80E3A-CC30-402D-8926-27F7F3B180E8}"/>
+              </a:ext>
+            </a:extLst>
+          </p:cNvPr>
+          <p:cNvSpPr txBox="1"/>
+          <p:nvPr/>
+        </p:nvSpPr>
+        <p:spPr>
+          <a:xfrm>
+            <a:off x="11041316" y="652451"/>
+            <a:ext cx="756938" cy="1446550"/>
+          </a:xfrm>
+          <a:prstGeom prst="rect">
+            <a:avLst/>
+          </a:prstGeom>
+          <a:noFill/>
+        </p:spPr>
+        <p:txBody>
+          <a:bodyPr wrap="none" rtlCol="0">
+            <a:spAutoFit/>
+          </a:bodyPr>
+          <a:lstStyle/>
+          <a:p>
+            <a:r>
+              <a:rPr lang="de-DE" sz="8800" dirty="0">
+                <a:solidFill>
+                  <a:srgbClr val="FF0000"/>
+                </a:solidFill>
+              </a:rPr>
+              <a:t>3</a:t>
+            </a:r>
+            <a:endParaRPr lang="en-US" sz="8800" dirty="0">
+              <a:solidFill>
+                <a:srgbClr val="FF0000"/>
+              </a:solidFill>
+            </a:endParaRPr>
+          </a:p>
+        </p:txBody>
+      </p:sp>
+      <p:sp>
+        <p:nvSpPr>
+          <p:cNvPr id="41" name="TextBox 40">
+            <a:extLst>
+              <a:ext uri="{FF2B5EF4-FFF2-40B4-BE49-F238E27FC236}">
+                <a16:creationId xmlns:a16="http://schemas.microsoft.com/office/drawing/2014/main" id="{BDA05282-E790-4305-BBDA-A75A8888E613}"/>
+              </a:ext>
+            </a:extLst>
+          </p:cNvPr>
+          <p:cNvSpPr txBox="1"/>
+          <p:nvPr/>
+        </p:nvSpPr>
+        <p:spPr>
+          <a:xfrm>
+            <a:off x="7687024" y="2766129"/>
+            <a:ext cx="756938" cy="1446550"/>
+          </a:xfrm>
+          <a:prstGeom prst="rect">
+            <a:avLst/>
+          </a:prstGeom>
+          <a:noFill/>
+        </p:spPr>
+        <p:txBody>
+          <a:bodyPr wrap="none" rtlCol="0">
+            <a:spAutoFit/>
+          </a:bodyPr>
+          <a:lstStyle/>
+          <a:p>
+            <a:r>
+              <a:rPr lang="de-DE" sz="8800" dirty="0">
+                <a:solidFill>
+                  <a:srgbClr val="FF0000"/>
+                </a:solidFill>
+              </a:rPr>
+              <a:t>4</a:t>
+            </a:r>
+            <a:endParaRPr lang="en-US" sz="8800" dirty="0">
+              <a:solidFill>
+                <a:srgbClr val="FF0000"/>
+              </a:solidFill>
+            </a:endParaRPr>
+          </a:p>
+        </p:txBody>
+      </p:sp>
+      <p:sp>
+        <p:nvSpPr>
+          <p:cNvPr id="42" name="TextBox 41">
+            <a:extLst>
+              <a:ext uri="{FF2B5EF4-FFF2-40B4-BE49-F238E27FC236}">
+                <a16:creationId xmlns:a16="http://schemas.microsoft.com/office/drawing/2014/main" id="{19E572EB-53B6-48FB-9DDE-3694FB0F4D88}"/>
+              </a:ext>
+            </a:extLst>
+          </p:cNvPr>
+          <p:cNvSpPr txBox="1"/>
+          <p:nvPr/>
+        </p:nvSpPr>
+        <p:spPr>
+          <a:xfrm>
+            <a:off x="4892692" y="698714"/>
+            <a:ext cx="756938" cy="1446550"/>
+          </a:xfrm>
+          <a:prstGeom prst="rect">
+            <a:avLst/>
+          </a:prstGeom>
+          <a:noFill/>
+        </p:spPr>
+        <p:txBody>
+          <a:bodyPr wrap="none" rtlCol="0">
+            <a:spAutoFit/>
+          </a:bodyPr>
+          <a:lstStyle/>
+          <a:p>
+            <a:r>
+              <a:rPr lang="de-DE" sz="8800" dirty="0">
+                <a:solidFill>
+                  <a:srgbClr val="FF0000"/>
+                </a:solidFill>
+              </a:rPr>
+              <a:t>5</a:t>
+            </a:r>
+            <a:endParaRPr lang="en-US" sz="8800" dirty="0">
+              <a:solidFill>
+                <a:srgbClr val="FF0000"/>
+              </a:solidFill>
+            </a:endParaRPr>
+          </a:p>
+        </p:txBody>
+      </p:sp>
+    </p:spTree>
+    <p:extLst>
+      <p:ext uri="{BB962C8B-B14F-4D97-AF65-F5344CB8AC3E}">
+        <p14:creationId xmlns:p14="http://schemas.microsoft.com/office/powerpoint/2010/main" val="1084915392"/>
+      </p:ext>
+    </p:extLst>
+  </p:cSld>
+  <p:clrMapOvr>
+    <a:masterClrMapping/>
+  </p:clrMapOvr>
+</p:sld>
+</file>
+
+<file path=ppt/slides/slide5.xml><?xml version="1.0" encoding="utf-8"?>
+<p:sld xmlns:a="http://schemas.openxmlformats.org/drawingml/2006/main" xmlns:r="http://schemas.openxmlformats.org/officeDocument/2006/relationships" xmlns:p="http://schemas.openxmlformats.org/presentationml/2006/main">
+  <p:cSld>
+    <p:spTree>
+      <p:nvGrpSpPr>
+        <p:cNvPr id="1" name=""/>
+        <p:cNvGrpSpPr/>
+        <p:nvPr/>
+      </p:nvGrpSpPr>
+      <p:grpSpPr>
+        <a:xfrm>
+          <a:off x="0" y="0"/>
+          <a:ext cx="0" cy="0"/>
+          <a:chOff x="0" y="0"/>
+          <a:chExt cx="0" cy="0"/>
+        </a:xfrm>
+      </p:grpSpPr>
+      <p:sp>
+        <p:nvSpPr>
+          <p:cNvPr id="4" name="Rectangle 3">
+            <a:extLst>
+              <a:ext uri="{FF2B5EF4-FFF2-40B4-BE49-F238E27FC236}">
+                <a16:creationId xmlns:a16="http://schemas.microsoft.com/office/drawing/2014/main" id="{887CC6B6-1096-4A1B-8B0C-E480C55D9FC5}"/>
+              </a:ext>
+            </a:extLst>
+          </p:cNvPr>
+          <p:cNvSpPr/>
+          <p:nvPr/>
+        </p:nvSpPr>
+        <p:spPr>
+          <a:xfrm>
+            <a:off x="1451113" y="655983"/>
+            <a:ext cx="3816626" cy="6003234"/>
+          </a:xfrm>
+          <a:prstGeom prst="rect">
+            <a:avLst/>
+          </a:prstGeom>
+        </p:spPr>
+        <p:style>
+          <a:lnRef idx="2">
+            <a:schemeClr val="accent1">
+              <a:shade val="50000"/>
+            </a:schemeClr>
+          </a:lnRef>
+          <a:fillRef idx="1">
+            <a:schemeClr val="accent1"/>
+          </a:fillRef>
+          <a:effectRef idx="0">
+            <a:schemeClr val="accent1"/>
+          </a:effectRef>
+          <a:fontRef idx="minor">
+            <a:schemeClr val="lt1"/>
+          </a:fontRef>
+        </p:style>
+        <p:txBody>
+          <a:bodyPr rtlCol="0" anchor="t"/>
+          <a:lstStyle/>
+          <a:p>
+            <a:r>
+              <a:rPr lang="de-DE" dirty="0" err="1"/>
+              <a:t>Html</a:t>
+            </a:r>
+            <a:endParaRPr lang="de-DE" dirty="0"/>
+          </a:p>
+          <a:p>
+            <a:r>
               <a:rPr lang="de-DE" dirty="0" err="1"/>
               <a:t>eve-section</a:t>
             </a:r>
             <a:r>
               <a:rPr lang="de-DE" dirty="0"/>
-              <a:t> =Header</a:t>
+              <a:t> =Head</a:t>
             </a:r>
             <a:br>
               <a:rPr lang="de-DE" dirty="0"/>
